--- a/Numerische Integration/Numerische Integration.pptx
+++ b/Numerische Integration/Numerische Integration.pptx
@@ -109,6 +109,11 @@
       </a:defRPr>
     </a:lvl9pPr>
   </p:defaultTextStyle>
+  <p:extLst>
+    <p:ext uri="{EFAFB233-063F-42B5-8137-9DF3F51BA10A}">
+      <p15:sldGuideLst xmlns:p15="http://schemas.microsoft.com/office/powerpoint/2012/main"/>
+    </p:ext>
+  </p:extLst>
 </p:presentation>
 </file>
 
@@ -261,7 +266,7 @@
           <a:p>
             <a:fld id="{C3390442-A57B-4B01-B237-E5688989AD00}" type="datetimeFigureOut">
               <a:rPr lang="de-AT" smtClean="0"/>
-              <a:t>16.05.2022</a:t>
+              <a:t>23.05.2022</a:t>
             </a:fld>
             <a:endParaRPr lang="de-AT"/>
           </a:p>
@@ -461,7 +466,7 @@
           <a:p>
             <a:fld id="{C3390442-A57B-4B01-B237-E5688989AD00}" type="datetimeFigureOut">
               <a:rPr lang="de-AT" smtClean="0"/>
-              <a:t>16.05.2022</a:t>
+              <a:t>23.05.2022</a:t>
             </a:fld>
             <a:endParaRPr lang="de-AT"/>
           </a:p>
@@ -671,7 +676,7 @@
           <a:p>
             <a:fld id="{C3390442-A57B-4B01-B237-E5688989AD00}" type="datetimeFigureOut">
               <a:rPr lang="de-AT" smtClean="0"/>
-              <a:t>16.05.2022</a:t>
+              <a:t>23.05.2022</a:t>
             </a:fld>
             <a:endParaRPr lang="de-AT"/>
           </a:p>
@@ -871,7 +876,7 @@
           <a:p>
             <a:fld id="{C3390442-A57B-4B01-B237-E5688989AD00}" type="datetimeFigureOut">
               <a:rPr lang="de-AT" smtClean="0"/>
-              <a:t>16.05.2022</a:t>
+              <a:t>23.05.2022</a:t>
             </a:fld>
             <a:endParaRPr lang="de-AT"/>
           </a:p>
@@ -1147,7 +1152,7 @@
           <a:p>
             <a:fld id="{C3390442-A57B-4B01-B237-E5688989AD00}" type="datetimeFigureOut">
               <a:rPr lang="de-AT" smtClean="0"/>
-              <a:t>16.05.2022</a:t>
+              <a:t>23.05.2022</a:t>
             </a:fld>
             <a:endParaRPr lang="de-AT"/>
           </a:p>
@@ -1415,7 +1420,7 @@
           <a:p>
             <a:fld id="{C3390442-A57B-4B01-B237-E5688989AD00}" type="datetimeFigureOut">
               <a:rPr lang="de-AT" smtClean="0"/>
-              <a:t>16.05.2022</a:t>
+              <a:t>23.05.2022</a:t>
             </a:fld>
             <a:endParaRPr lang="de-AT"/>
           </a:p>
@@ -1830,7 +1835,7 @@
           <a:p>
             <a:fld id="{C3390442-A57B-4B01-B237-E5688989AD00}" type="datetimeFigureOut">
               <a:rPr lang="de-AT" smtClean="0"/>
-              <a:t>16.05.2022</a:t>
+              <a:t>23.05.2022</a:t>
             </a:fld>
             <a:endParaRPr lang="de-AT"/>
           </a:p>
@@ -1972,7 +1977,7 @@
           <a:p>
             <a:fld id="{C3390442-A57B-4B01-B237-E5688989AD00}" type="datetimeFigureOut">
               <a:rPr lang="de-AT" smtClean="0"/>
-              <a:t>16.05.2022</a:t>
+              <a:t>23.05.2022</a:t>
             </a:fld>
             <a:endParaRPr lang="de-AT"/>
           </a:p>
@@ -2085,7 +2090,7 @@
           <a:p>
             <a:fld id="{C3390442-A57B-4B01-B237-E5688989AD00}" type="datetimeFigureOut">
               <a:rPr lang="de-AT" smtClean="0"/>
-              <a:t>16.05.2022</a:t>
+              <a:t>23.05.2022</a:t>
             </a:fld>
             <a:endParaRPr lang="de-AT"/>
           </a:p>
@@ -2398,7 +2403,7 @@
           <a:p>
             <a:fld id="{C3390442-A57B-4B01-B237-E5688989AD00}" type="datetimeFigureOut">
               <a:rPr lang="de-AT" smtClean="0"/>
-              <a:t>16.05.2022</a:t>
+              <a:t>23.05.2022</a:t>
             </a:fld>
             <a:endParaRPr lang="de-AT"/>
           </a:p>
@@ -2687,7 +2692,7 @@
           <a:p>
             <a:fld id="{C3390442-A57B-4B01-B237-E5688989AD00}" type="datetimeFigureOut">
               <a:rPr lang="de-AT" smtClean="0"/>
-              <a:t>16.05.2022</a:t>
+              <a:t>23.05.2022</a:t>
             </a:fld>
             <a:endParaRPr lang="de-AT"/>
           </a:p>
@@ -2930,7 +2935,7 @@
           <a:p>
             <a:fld id="{C3390442-A57B-4B01-B237-E5688989AD00}" type="datetimeFigureOut">
               <a:rPr lang="de-AT" smtClean="0"/>
-              <a:t>16.05.2022</a:t>
+              <a:t>23.05.2022</a:t>
             </a:fld>
             <a:endParaRPr lang="de-AT"/>
           </a:p>
@@ -3742,8 +3747,8 @@
           </a:p>
         </p:txBody>
       </p:sp>
-      <mc:AlternateContent xmlns:mc="http://schemas.openxmlformats.org/markup-compatibility/2006">
-        <mc:Choice xmlns:a14="http://schemas.microsoft.com/office/drawing/2010/main" Requires="a14">
+      <mc:AlternateContent xmlns:mc="http://schemas.openxmlformats.org/markup-compatibility/2006" xmlns:a14="http://schemas.microsoft.com/office/drawing/2010/main">
+        <mc:Choice Requires="a14">
           <p:sp>
             <p:nvSpPr>
               <p:cNvPr id="3" name="Inhaltsplatzhalter 2">
@@ -3838,7 +3843,7 @@
             </p:txBody>
           </p:sp>
         </mc:Choice>
-        <mc:Fallback>
+        <mc:Fallback xmlns="">
           <p:sp>
             <p:nvSpPr>
               <p:cNvPr id="3" name="Inhaltsplatzhalter 2">
@@ -4006,7 +4011,7 @@
           <a:lstStyle/>
           <a:p>
             <a:r>
-              <a:rPr lang="de-DE"/>
+              <a:rPr lang="de-DE" dirty="0"/>
               <a:t>Mit der Quadraturformel</a:t>
             </a:r>
           </a:p>
@@ -4015,6 +4020,81 @@
           </a:p>
         </p:txBody>
       </p:sp>
+      <p:pic>
+        <p:nvPicPr>
+          <p:cNvPr id="5" name="Grafik 4">
+            <a:extLst>
+              <a:ext uri="{FF2B5EF4-FFF2-40B4-BE49-F238E27FC236}">
+                <a16:creationId xmlns:a16="http://schemas.microsoft.com/office/drawing/2014/main" id="{5914708F-D163-5352-69A8-7C75064A4DB7}"/>
+              </a:ext>
+            </a:extLst>
+          </p:cNvPr>
+          <p:cNvPicPr>
+            <a:picLocks noChangeAspect="1"/>
+          </p:cNvPicPr>
+          <p:nvPr/>
+        </p:nvPicPr>
+        <p:blipFill>
+          <a:blip r:embed="rId2">
+            <a:extLst>
+              <a:ext uri="{28A0092B-C50C-407E-A947-70E740481C1C}">
+                <a14:useLocalDpi xmlns:a14="http://schemas.microsoft.com/office/drawing/2010/main" val="0"/>
+              </a:ext>
+              <a:ext uri="{96DAC541-7B7A-43D3-8B79-37D633B846F1}">
+                <asvg:svgBlip xmlns:asvg="http://schemas.microsoft.com/office/drawing/2016/SVG/main" r:embed="rId3"/>
+              </a:ext>
+            </a:extLst>
+          </a:blip>
+          <a:stretch>
+            <a:fillRect/>
+          </a:stretch>
+        </p:blipFill>
+        <p:spPr>
+          <a:xfrm>
+            <a:off x="838200" y="3429000"/>
+            <a:ext cx="4149790" cy="945230"/>
+          </a:xfrm>
+          <a:prstGeom prst="rect">
+            <a:avLst/>
+          </a:prstGeom>
+        </p:spPr>
+      </p:pic>
+      <p:pic>
+        <p:nvPicPr>
+          <p:cNvPr id="7" name="Grafik 6">
+            <a:extLst>
+              <a:ext uri="{FF2B5EF4-FFF2-40B4-BE49-F238E27FC236}">
+                <a16:creationId xmlns:a16="http://schemas.microsoft.com/office/drawing/2014/main" id="{0D436819-32CA-0C16-726E-F0307987F88D}"/>
+              </a:ext>
+            </a:extLst>
+          </p:cNvPr>
+          <p:cNvPicPr>
+            <a:picLocks noChangeAspect="1"/>
+          </p:cNvPicPr>
+          <p:nvPr/>
+        </p:nvPicPr>
+        <p:blipFill>
+          <a:blip r:embed="rId4">
+            <a:extLst>
+              <a:ext uri="{28A0092B-C50C-407E-A947-70E740481C1C}">
+                <a14:useLocalDpi xmlns:a14="http://schemas.microsoft.com/office/drawing/2010/main" val="0"/>
+              </a:ext>
+            </a:extLst>
+          </a:blip>
+          <a:stretch>
+            <a:fillRect/>
+          </a:stretch>
+        </p:blipFill>
+        <p:spPr>
+          <a:xfrm>
+            <a:off x="6190206" y="1551146"/>
+            <a:ext cx="5163594" cy="3755708"/>
+          </a:xfrm>
+          <a:prstGeom prst="rect">
+            <a:avLst/>
+          </a:prstGeom>
+        </p:spPr>
+      </p:pic>
     </p:spTree>
     <p:extLst>
       <p:ext uri="{BB962C8B-B14F-4D97-AF65-F5344CB8AC3E}">

--- a/Numerische Integration/Numerische Integration.pptx
+++ b/Numerische Integration/Numerische Integration.pptx
@@ -10,7 +10,9 @@
     <p:sldId id="258" r:id="rId4"/>
     <p:sldId id="260" r:id="rId5"/>
     <p:sldId id="261" r:id="rId6"/>
-    <p:sldId id="259" r:id="rId7"/>
+    <p:sldId id="263" r:id="rId7"/>
+    <p:sldId id="262" r:id="rId8"/>
+    <p:sldId id="259" r:id="rId9"/>
   </p:sldIdLst>
   <p:sldSz cx="12192000" cy="6858000"/>
   <p:notesSz cx="6858000" cy="9144000"/>
@@ -266,7 +268,7 @@
           <a:p>
             <a:fld id="{C3390442-A57B-4B01-B237-E5688989AD00}" type="datetimeFigureOut">
               <a:rPr lang="de-AT" smtClean="0"/>
-              <a:t>23.05.2022</a:t>
+              <a:t>13.06.2022</a:t>
             </a:fld>
             <a:endParaRPr lang="de-AT"/>
           </a:p>
@@ -466,7 +468,7 @@
           <a:p>
             <a:fld id="{C3390442-A57B-4B01-B237-E5688989AD00}" type="datetimeFigureOut">
               <a:rPr lang="de-AT" smtClean="0"/>
-              <a:t>23.05.2022</a:t>
+              <a:t>13.06.2022</a:t>
             </a:fld>
             <a:endParaRPr lang="de-AT"/>
           </a:p>
@@ -676,7 +678,7 @@
           <a:p>
             <a:fld id="{C3390442-A57B-4B01-B237-E5688989AD00}" type="datetimeFigureOut">
               <a:rPr lang="de-AT" smtClean="0"/>
-              <a:t>23.05.2022</a:t>
+              <a:t>13.06.2022</a:t>
             </a:fld>
             <a:endParaRPr lang="de-AT"/>
           </a:p>
@@ -876,7 +878,7 @@
           <a:p>
             <a:fld id="{C3390442-A57B-4B01-B237-E5688989AD00}" type="datetimeFigureOut">
               <a:rPr lang="de-AT" smtClean="0"/>
-              <a:t>23.05.2022</a:t>
+              <a:t>13.06.2022</a:t>
             </a:fld>
             <a:endParaRPr lang="de-AT"/>
           </a:p>
@@ -1152,7 +1154,7 @@
           <a:p>
             <a:fld id="{C3390442-A57B-4B01-B237-E5688989AD00}" type="datetimeFigureOut">
               <a:rPr lang="de-AT" smtClean="0"/>
-              <a:t>23.05.2022</a:t>
+              <a:t>13.06.2022</a:t>
             </a:fld>
             <a:endParaRPr lang="de-AT"/>
           </a:p>
@@ -1420,7 +1422,7 @@
           <a:p>
             <a:fld id="{C3390442-A57B-4B01-B237-E5688989AD00}" type="datetimeFigureOut">
               <a:rPr lang="de-AT" smtClean="0"/>
-              <a:t>23.05.2022</a:t>
+              <a:t>13.06.2022</a:t>
             </a:fld>
             <a:endParaRPr lang="de-AT"/>
           </a:p>
@@ -1835,7 +1837,7 @@
           <a:p>
             <a:fld id="{C3390442-A57B-4B01-B237-E5688989AD00}" type="datetimeFigureOut">
               <a:rPr lang="de-AT" smtClean="0"/>
-              <a:t>23.05.2022</a:t>
+              <a:t>13.06.2022</a:t>
             </a:fld>
             <a:endParaRPr lang="de-AT"/>
           </a:p>
@@ -1977,7 +1979,7 @@
           <a:p>
             <a:fld id="{C3390442-A57B-4B01-B237-E5688989AD00}" type="datetimeFigureOut">
               <a:rPr lang="de-AT" smtClean="0"/>
-              <a:t>23.05.2022</a:t>
+              <a:t>13.06.2022</a:t>
             </a:fld>
             <a:endParaRPr lang="de-AT"/>
           </a:p>
@@ -2090,7 +2092,7 @@
           <a:p>
             <a:fld id="{C3390442-A57B-4B01-B237-E5688989AD00}" type="datetimeFigureOut">
               <a:rPr lang="de-AT" smtClean="0"/>
-              <a:t>23.05.2022</a:t>
+              <a:t>13.06.2022</a:t>
             </a:fld>
             <a:endParaRPr lang="de-AT"/>
           </a:p>
@@ -2403,7 +2405,7 @@
           <a:p>
             <a:fld id="{C3390442-A57B-4B01-B237-E5688989AD00}" type="datetimeFigureOut">
               <a:rPr lang="de-AT" smtClean="0"/>
-              <a:t>23.05.2022</a:t>
+              <a:t>13.06.2022</a:t>
             </a:fld>
             <a:endParaRPr lang="de-AT"/>
           </a:p>
@@ -2692,7 +2694,7 @@
           <a:p>
             <a:fld id="{C3390442-A57B-4B01-B237-E5688989AD00}" type="datetimeFigureOut">
               <a:rPr lang="de-AT" smtClean="0"/>
-              <a:t>23.05.2022</a:t>
+              <a:t>13.06.2022</a:t>
             </a:fld>
             <a:endParaRPr lang="de-AT"/>
           </a:p>
@@ -2935,7 +2937,7 @@
           <a:p>
             <a:fld id="{C3390442-A57B-4B01-B237-E5688989AD00}" type="datetimeFigureOut">
               <a:rPr lang="de-AT" smtClean="0"/>
-              <a:t>23.05.2022</a:t>
+              <a:t>13.06.2022</a:t>
             </a:fld>
             <a:endParaRPr lang="de-AT"/>
           </a:p>
@@ -4130,6 +4132,397 @@
           <p:cNvPr id="2" name="Titel 1">
             <a:extLst>
               <a:ext uri="{FF2B5EF4-FFF2-40B4-BE49-F238E27FC236}">
+                <a16:creationId xmlns:a16="http://schemas.microsoft.com/office/drawing/2014/main" id="{E209E717-E972-7C72-1CF7-AB5FD8F8DC38}"/>
+              </a:ext>
+            </a:extLst>
+          </p:cNvPr>
+          <p:cNvSpPr>
+            <a:spLocks noGrp="1"/>
+          </p:cNvSpPr>
+          <p:nvPr>
+            <p:ph type="title"/>
+          </p:nvPr>
+        </p:nvSpPr>
+        <p:spPr/>
+        <p:txBody>
+          <a:bodyPr/>
+          <a:lstStyle/>
+          <a:p>
+            <a:r>
+              <a:rPr lang="de-DE" dirty="0" err="1"/>
+              <a:t>Interpolarische</a:t>
+            </a:r>
+            <a:r>
+              <a:rPr lang="de-DE" dirty="0"/>
+              <a:t> Quadraturformel	</a:t>
+            </a:r>
+            <a:endParaRPr lang="de-AT" dirty="0"/>
+          </a:p>
+        </p:txBody>
+      </p:sp>
+      <mc:AlternateContent xmlns:mc="http://schemas.openxmlformats.org/markup-compatibility/2006">
+        <mc:Choice xmlns:a14="http://schemas.microsoft.com/office/drawing/2010/main" Requires="a14">
+          <p:sp>
+            <p:nvSpPr>
+              <p:cNvPr id="3" name="Inhaltsplatzhalter 2">
+                <a:extLst>
+                  <a:ext uri="{FF2B5EF4-FFF2-40B4-BE49-F238E27FC236}">
+                    <a16:creationId xmlns:a16="http://schemas.microsoft.com/office/drawing/2014/main" id="{1060F695-DF48-C06D-3229-1EA456018847}"/>
+                  </a:ext>
+                </a:extLst>
+              </p:cNvPr>
+              <p:cNvSpPr>
+                <a:spLocks noGrp="1"/>
+              </p:cNvSpPr>
+              <p:nvPr>
+                <p:ph idx="1"/>
+              </p:nvPr>
+            </p:nvSpPr>
+            <p:spPr>
+              <a:xfrm>
+                <a:off x="829322" y="1825625"/>
+                <a:ext cx="10515600" cy="4351338"/>
+              </a:xfrm>
+            </p:spPr>
+            <p:txBody>
+              <a:bodyPr/>
+              <a:lstStyle/>
+              <a:p>
+                <a:r>
+                  <a:rPr lang="de-DE" dirty="0"/>
+                  <a:t>Funktion f(</a:t>
+                </a:r>
+                <a:r>
+                  <a:rPr lang="de-DE" i="1" dirty="0"/>
+                  <a:t>x</a:t>
+                </a:r>
+                <a:r>
+                  <a:rPr lang="de-DE" dirty="0"/>
+                  <a:t>) mit Interpolationspolynom </a:t>
+                </a:r>
+                <a:br>
+                  <a:rPr lang="de-DE" dirty="0"/>
+                </a:br>
+                <a14:m>
+                  <m:oMath xmlns:m="http://schemas.openxmlformats.org/officeDocument/2006/math">
+                    <m:sSub>
+                      <m:sSubPr>
+                        <m:ctrlPr>
+                          <a:rPr lang="de-DE" i="1" smtClean="0">
+                            <a:latin typeface="Cambria Math" panose="02040503050406030204" pitchFamily="18" charset="0"/>
+                          </a:rPr>
+                        </m:ctrlPr>
+                      </m:sSubPr>
+                      <m:e>
+                        <m:r>
+                          <a:rPr lang="de-DE" b="0" i="1" smtClean="0">
+                            <a:latin typeface="Cambria Math" panose="02040503050406030204" pitchFamily="18" charset="0"/>
+                          </a:rPr>
+                          <m:t>𝑝</m:t>
+                        </m:r>
+                      </m:e>
+                      <m:sub>
+                        <m:r>
+                          <a:rPr lang="de-DE" b="0" i="1" smtClean="0">
+                            <a:latin typeface="Cambria Math" panose="02040503050406030204" pitchFamily="18" charset="0"/>
+                          </a:rPr>
+                          <m:t>𝑛</m:t>
+                        </m:r>
+                      </m:sub>
+                    </m:sSub>
+                  </m:oMath>
+                </a14:m>
+                <a:r>
+                  <a:rPr lang="de-DE" dirty="0"/>
+                  <a:t>(x) approximieren und integrieren</a:t>
+                </a:r>
+              </a:p>
+              <a:p>
+                <a:pPr lvl="1"/>
+                <a:r>
+                  <a:rPr lang="de-DE" dirty="0"/>
+                  <a:t>Nach der Konstruktion hat die Formel</a:t>
+                </a:r>
+                <a:br>
+                  <a:rPr lang="de-DE" dirty="0"/>
+                </a:br>
+                <a:r>
+                  <a:rPr lang="de-DE" dirty="0"/>
+                  <a:t>eine Genauigkeit von </a:t>
+                </a:r>
+                <a:r>
+                  <a:rPr lang="de-DE" i="1" dirty="0"/>
+                  <a:t>n</a:t>
+                </a:r>
+              </a:p>
+              <a:p>
+                <a:r>
+                  <a:rPr lang="de-AT" dirty="0"/>
+                  <a:t>Falls die Integrationsgrenzen Stützstellen</a:t>
+                </a:r>
+                <a:br>
+                  <a:rPr lang="de-AT" dirty="0"/>
+                </a:br>
+                <a:r>
+                  <a:rPr lang="de-AT" dirty="0"/>
+                  <a:t>spricht man von einer</a:t>
+                </a:r>
+              </a:p>
+              <a:p>
+                <a:pPr lvl="1"/>
+                <a:r>
+                  <a:rPr lang="de-AT" dirty="0"/>
+                  <a:t>Abgeschlossenen Quadraturformel sonst von einer </a:t>
+                </a:r>
+              </a:p>
+              <a:p>
+                <a:pPr lvl="1"/>
+                <a:r>
+                  <a:rPr lang="de-AT" dirty="0"/>
+                  <a:t>Offenen Quadraturformel</a:t>
+                </a:r>
+              </a:p>
+            </p:txBody>
+          </p:sp>
+        </mc:Choice>
+        <mc:Fallback>
+          <p:sp>
+            <p:nvSpPr>
+              <p:cNvPr id="3" name="Inhaltsplatzhalter 2">
+                <a:extLst>
+                  <a:ext uri="{FF2B5EF4-FFF2-40B4-BE49-F238E27FC236}">
+                    <a16:creationId xmlns:a16="http://schemas.microsoft.com/office/drawing/2014/main" id="{1060F695-DF48-C06D-3229-1EA456018847}"/>
+                  </a:ext>
+                </a:extLst>
+              </p:cNvPr>
+              <p:cNvSpPr>
+                <a:spLocks noGrp="1" noRot="1" noChangeAspect="1" noMove="1" noResize="1" noEditPoints="1" noAdjustHandles="1" noChangeArrowheads="1" noChangeShapeType="1" noTextEdit="1"/>
+              </p:cNvSpPr>
+              <p:nvPr>
+                <p:ph idx="1"/>
+              </p:nvPr>
+            </p:nvSpPr>
+            <p:spPr>
+              <a:xfrm>
+                <a:off x="829322" y="1825625"/>
+                <a:ext cx="10515600" cy="4351338"/>
+              </a:xfrm>
+              <a:blipFill>
+                <a:blip r:embed="rId2"/>
+                <a:stretch>
+                  <a:fillRect l="-1043" t="-2241"/>
+                </a:stretch>
+              </a:blipFill>
+            </p:spPr>
+            <p:txBody>
+              <a:bodyPr/>
+              <a:lstStyle/>
+              <a:p>
+                <a:r>
+                  <a:rPr lang="de-AT">
+                    <a:noFill/>
+                  </a:rPr>
+                  <a:t> </a:t>
+                </a:r>
+              </a:p>
+            </p:txBody>
+          </p:sp>
+        </mc:Fallback>
+      </mc:AlternateContent>
+      <p:pic>
+        <p:nvPicPr>
+          <p:cNvPr id="5" name="Grafik 4">
+            <a:extLst>
+              <a:ext uri="{FF2B5EF4-FFF2-40B4-BE49-F238E27FC236}">
+                <a16:creationId xmlns:a16="http://schemas.microsoft.com/office/drawing/2014/main" id="{44E5FD0C-3440-6DA8-D358-6E763DF644FD}"/>
+              </a:ext>
+            </a:extLst>
+          </p:cNvPr>
+          <p:cNvPicPr>
+            <a:picLocks noChangeAspect="1"/>
+          </p:cNvPicPr>
+          <p:nvPr/>
+        </p:nvPicPr>
+        <p:blipFill>
+          <a:blip r:embed="rId3"/>
+          <a:stretch>
+            <a:fillRect/>
+          </a:stretch>
+        </p:blipFill>
+        <p:spPr>
+          <a:xfrm>
+            <a:off x="6946297" y="2381249"/>
+            <a:ext cx="4229690" cy="657317"/>
+          </a:xfrm>
+          <a:prstGeom prst="rect">
+            <a:avLst/>
+          </a:prstGeom>
+        </p:spPr>
+      </p:pic>
+      <p:pic>
+        <p:nvPicPr>
+          <p:cNvPr id="7" name="Grafik 6">
+            <a:extLst>
+              <a:ext uri="{FF2B5EF4-FFF2-40B4-BE49-F238E27FC236}">
+                <a16:creationId xmlns:a16="http://schemas.microsoft.com/office/drawing/2014/main" id="{9AB39635-5BE6-77AB-9AA0-6A3EDE6B4DAE}"/>
+              </a:ext>
+            </a:extLst>
+          </p:cNvPr>
+          <p:cNvPicPr>
+            <a:picLocks noChangeAspect="1"/>
+          </p:cNvPicPr>
+          <p:nvPr/>
+        </p:nvPicPr>
+        <p:blipFill>
+          <a:blip r:embed="rId4"/>
+          <a:stretch>
+            <a:fillRect/>
+          </a:stretch>
+        </p:blipFill>
+        <p:spPr>
+          <a:xfrm>
+            <a:off x="8925234" y="4226711"/>
+            <a:ext cx="2419688" cy="762106"/>
+          </a:xfrm>
+          <a:prstGeom prst="rect">
+            <a:avLst/>
+          </a:prstGeom>
+        </p:spPr>
+      </p:pic>
+    </p:spTree>
+    <p:extLst>
+      <p:ext uri="{BB962C8B-B14F-4D97-AF65-F5344CB8AC3E}">
+        <p14:creationId xmlns:p14="http://schemas.microsoft.com/office/powerpoint/2010/main" val="3246562543"/>
+      </p:ext>
+    </p:extLst>
+  </p:cSld>
+  <p:clrMapOvr>
+    <a:masterClrMapping/>
+  </p:clrMapOvr>
+</p:sld>
+</file>
+
+<file path=ppt/slides/slide7.xml><?xml version="1.0" encoding="utf-8"?>
+<p:sld xmlns:a="http://schemas.openxmlformats.org/drawingml/2006/main" xmlns:r="http://schemas.openxmlformats.org/officeDocument/2006/relationships" xmlns:p="http://schemas.openxmlformats.org/presentationml/2006/main">
+  <p:cSld>
+    <p:spTree>
+      <p:nvGrpSpPr>
+        <p:cNvPr id="1" name=""/>
+        <p:cNvGrpSpPr/>
+        <p:nvPr/>
+      </p:nvGrpSpPr>
+      <p:grpSpPr>
+        <a:xfrm>
+          <a:off x="0" y="0"/>
+          <a:ext cx="0" cy="0"/>
+          <a:chOff x="0" y="0"/>
+          <a:chExt cx="0" cy="0"/>
+        </a:xfrm>
+      </p:grpSpPr>
+      <p:sp>
+        <p:nvSpPr>
+          <p:cNvPr id="2" name="Titel 1">
+            <a:extLst>
+              <a:ext uri="{FF2B5EF4-FFF2-40B4-BE49-F238E27FC236}">
+                <a16:creationId xmlns:a16="http://schemas.microsoft.com/office/drawing/2014/main" id="{28107CED-B1A0-037E-CFCB-914C69337704}"/>
+              </a:ext>
+            </a:extLst>
+          </p:cNvPr>
+          <p:cNvSpPr>
+            <a:spLocks noGrp="1"/>
+          </p:cNvSpPr>
+          <p:nvPr>
+            <p:ph type="title"/>
+          </p:nvPr>
+        </p:nvSpPr>
+        <p:spPr/>
+        <p:txBody>
+          <a:bodyPr/>
+          <a:lstStyle/>
+          <a:p>
+            <a:r>
+              <a:rPr lang="de-DE" dirty="0"/>
+              <a:t>Weitere Quadraturformeln</a:t>
+            </a:r>
+            <a:endParaRPr lang="de-AT" dirty="0"/>
+          </a:p>
+        </p:txBody>
+      </p:sp>
+      <p:sp>
+        <p:nvSpPr>
+          <p:cNvPr id="3" name="Inhaltsplatzhalter 2">
+            <a:extLst>
+              <a:ext uri="{FF2B5EF4-FFF2-40B4-BE49-F238E27FC236}">
+                <a16:creationId xmlns:a16="http://schemas.microsoft.com/office/drawing/2014/main" id="{01F01C4D-B224-891F-BC8A-FBB746A2FDE1}"/>
+              </a:ext>
+            </a:extLst>
+          </p:cNvPr>
+          <p:cNvSpPr>
+            <a:spLocks noGrp="1"/>
+          </p:cNvSpPr>
+          <p:nvPr>
+            <p:ph idx="1"/>
+          </p:nvPr>
+        </p:nvSpPr>
+        <p:spPr/>
+        <p:txBody>
+          <a:bodyPr/>
+          <a:lstStyle/>
+          <a:p>
+            <a:r>
+              <a:rPr lang="de-DE" dirty="0"/>
+              <a:t>Summierte Quadraturformel</a:t>
+            </a:r>
+          </a:p>
+          <a:p>
+            <a:endParaRPr lang="de-DE" dirty="0"/>
+          </a:p>
+          <a:p>
+            <a:r>
+              <a:rPr lang="de-DE" dirty="0"/>
+              <a:t>Monte-Carlo-Integration</a:t>
+            </a:r>
+          </a:p>
+          <a:p>
+            <a:endParaRPr lang="de-AT" dirty="0"/>
+          </a:p>
+        </p:txBody>
+      </p:sp>
+    </p:spTree>
+    <p:extLst>
+      <p:ext uri="{BB962C8B-B14F-4D97-AF65-F5344CB8AC3E}">
+        <p14:creationId xmlns:p14="http://schemas.microsoft.com/office/powerpoint/2010/main" val="4030124169"/>
+      </p:ext>
+    </p:extLst>
+  </p:cSld>
+  <p:clrMapOvr>
+    <a:masterClrMapping/>
+  </p:clrMapOvr>
+</p:sld>
+</file>
+
+<file path=ppt/slides/slide8.xml><?xml version="1.0" encoding="utf-8"?>
+<p:sld xmlns:a="http://schemas.openxmlformats.org/drawingml/2006/main" xmlns:r="http://schemas.openxmlformats.org/officeDocument/2006/relationships" xmlns:p="http://schemas.openxmlformats.org/presentationml/2006/main">
+  <p:cSld>
+    <p:spTree>
+      <p:nvGrpSpPr>
+        <p:cNvPr id="1" name=""/>
+        <p:cNvGrpSpPr/>
+        <p:nvPr/>
+      </p:nvGrpSpPr>
+      <p:grpSpPr>
+        <a:xfrm>
+          <a:off x="0" y="0"/>
+          <a:ext cx="0" cy="0"/>
+          <a:chOff x="0" y="0"/>
+          <a:chExt cx="0" cy="0"/>
+        </a:xfrm>
+      </p:grpSpPr>
+      <p:sp>
+        <p:nvSpPr>
+          <p:cNvPr id="2" name="Titel 1">
+            <a:extLst>
+              <a:ext uri="{FF2B5EF4-FFF2-40B4-BE49-F238E27FC236}">
                 <a16:creationId xmlns:a16="http://schemas.microsoft.com/office/drawing/2014/main" id="{B97A4BF9-D290-B81C-710B-9041BD996190}"/>
               </a:ext>
             </a:extLst>

--- a/Numerische Integration/Numerische Integration.pptx
+++ b/Numerische Integration/Numerische Integration.pptx
@@ -119,6 +119,17 @@
 </p:presentation>
 </file>
 
+<file path=ppt/revisionInfo.xml><?xml version="1.0" encoding="utf-8"?>
+<p1510:revInfo xmlns:a="http://schemas.openxmlformats.org/drawingml/2006/main" xmlns:r="http://schemas.openxmlformats.org/officeDocument/2006/relationships" xmlns:p1510="http://schemas.microsoft.com/office/powerpoint/2015/10/main">
+  <p1510:revLst>
+    <p1510:client id="{1026F51A-69F8-C326-2873-50E006D4C115}" v="37" dt="2022-06-20T09:15:46.880"/>
+    <p1510:client id="{140FA0CE-C620-0D5F-A781-77A9EC1D1EDC}" v="13" dt="2022-06-20T09:28:41.592"/>
+    <p1510:client id="{295B3E7E-25BF-E319-8D5B-22E94CC20270}" v="22" dt="2022-06-20T09:19:46.231"/>
+    <p1510:client id="{AEC325C1-97F1-4FFE-2909-D45B31C428CC}" v="15" dt="2022-06-20T09:29:59.653"/>
+  </p1510:revLst>
+</p1510:revInfo>
+</file>
+
 <file path=ppt/slideLayouts/slideLayout1.xml><?xml version="1.0" encoding="utf-8"?>
 <p:sldLayout xmlns:a="http://schemas.openxmlformats.org/drawingml/2006/main" xmlns:r="http://schemas.openxmlformats.org/officeDocument/2006/relationships" xmlns:p="http://schemas.openxmlformats.org/presentationml/2006/main" type="title" preserve="1">
   <p:cSld name="Titelfolie">
@@ -268,7 +279,7 @@
           <a:p>
             <a:fld id="{C3390442-A57B-4B01-B237-E5688989AD00}" type="datetimeFigureOut">
               <a:rPr lang="de-AT" smtClean="0"/>
-              <a:t>13.06.2022</a:t>
+              <a:t>20.06.2022</a:t>
             </a:fld>
             <a:endParaRPr lang="de-AT"/>
           </a:p>
@@ -468,7 +479,7 @@
           <a:p>
             <a:fld id="{C3390442-A57B-4B01-B237-E5688989AD00}" type="datetimeFigureOut">
               <a:rPr lang="de-AT" smtClean="0"/>
-              <a:t>13.06.2022</a:t>
+              <a:t>20.06.2022</a:t>
             </a:fld>
             <a:endParaRPr lang="de-AT"/>
           </a:p>
@@ -678,7 +689,7 @@
           <a:p>
             <a:fld id="{C3390442-A57B-4B01-B237-E5688989AD00}" type="datetimeFigureOut">
               <a:rPr lang="de-AT" smtClean="0"/>
-              <a:t>13.06.2022</a:t>
+              <a:t>20.06.2022</a:t>
             </a:fld>
             <a:endParaRPr lang="de-AT"/>
           </a:p>
@@ -878,7 +889,7 @@
           <a:p>
             <a:fld id="{C3390442-A57B-4B01-B237-E5688989AD00}" type="datetimeFigureOut">
               <a:rPr lang="de-AT" smtClean="0"/>
-              <a:t>13.06.2022</a:t>
+              <a:t>20.06.2022</a:t>
             </a:fld>
             <a:endParaRPr lang="de-AT"/>
           </a:p>
@@ -1154,7 +1165,7 @@
           <a:p>
             <a:fld id="{C3390442-A57B-4B01-B237-E5688989AD00}" type="datetimeFigureOut">
               <a:rPr lang="de-AT" smtClean="0"/>
-              <a:t>13.06.2022</a:t>
+              <a:t>20.06.2022</a:t>
             </a:fld>
             <a:endParaRPr lang="de-AT"/>
           </a:p>
@@ -1422,7 +1433,7 @@
           <a:p>
             <a:fld id="{C3390442-A57B-4B01-B237-E5688989AD00}" type="datetimeFigureOut">
               <a:rPr lang="de-AT" smtClean="0"/>
-              <a:t>13.06.2022</a:t>
+              <a:t>20.06.2022</a:t>
             </a:fld>
             <a:endParaRPr lang="de-AT"/>
           </a:p>
@@ -1837,7 +1848,7 @@
           <a:p>
             <a:fld id="{C3390442-A57B-4B01-B237-E5688989AD00}" type="datetimeFigureOut">
               <a:rPr lang="de-AT" smtClean="0"/>
-              <a:t>13.06.2022</a:t>
+              <a:t>20.06.2022</a:t>
             </a:fld>
             <a:endParaRPr lang="de-AT"/>
           </a:p>
@@ -1979,7 +1990,7 @@
           <a:p>
             <a:fld id="{C3390442-A57B-4B01-B237-E5688989AD00}" type="datetimeFigureOut">
               <a:rPr lang="de-AT" smtClean="0"/>
-              <a:t>13.06.2022</a:t>
+              <a:t>20.06.2022</a:t>
             </a:fld>
             <a:endParaRPr lang="de-AT"/>
           </a:p>
@@ -2092,7 +2103,7 @@
           <a:p>
             <a:fld id="{C3390442-A57B-4B01-B237-E5688989AD00}" type="datetimeFigureOut">
               <a:rPr lang="de-AT" smtClean="0"/>
-              <a:t>13.06.2022</a:t>
+              <a:t>20.06.2022</a:t>
             </a:fld>
             <a:endParaRPr lang="de-AT"/>
           </a:p>
@@ -2405,7 +2416,7 @@
           <a:p>
             <a:fld id="{C3390442-A57B-4B01-B237-E5688989AD00}" type="datetimeFigureOut">
               <a:rPr lang="de-AT" smtClean="0"/>
-              <a:t>13.06.2022</a:t>
+              <a:t>20.06.2022</a:t>
             </a:fld>
             <a:endParaRPr lang="de-AT"/>
           </a:p>
@@ -2694,7 +2705,7 @@
           <a:p>
             <a:fld id="{C3390442-A57B-4B01-B237-E5688989AD00}" type="datetimeFigureOut">
               <a:rPr lang="de-AT" smtClean="0"/>
-              <a:t>13.06.2022</a:t>
+              <a:t>20.06.2022</a:t>
             </a:fld>
             <a:endParaRPr lang="de-AT"/>
           </a:p>
@@ -2937,7 +2948,7 @@
           <a:p>
             <a:fld id="{C3390442-A57B-4B01-B237-E5688989AD00}" type="datetimeFigureOut">
               <a:rPr lang="de-AT" smtClean="0"/>
-              <a:t>13.06.2022</a:t>
+              <a:t>20.06.2022</a:t>
             </a:fld>
             <a:endParaRPr lang="de-AT"/>
           </a:p>
@@ -3340,6 +3351,14 @@
 <file path=ppt/slides/slide1.xml><?xml version="1.0" encoding="utf-8"?>
 <p:sld xmlns:a="http://schemas.openxmlformats.org/drawingml/2006/main" xmlns:r="http://schemas.openxmlformats.org/officeDocument/2006/relationships" xmlns:p="http://schemas.openxmlformats.org/presentationml/2006/main">
   <p:cSld>
+    <p:bg>
+      <p:bgPr>
+        <a:solidFill>
+          <a:schemeClr val="bg1"/>
+        </a:solidFill>
+        <a:effectLst/>
+      </p:bgPr>
+    </p:bg>
     <p:spTree>
       <p:nvGrpSpPr>
         <p:cNvPr id="1" name=""/>
@@ -3354,6 +3373,457 @@
           <a:chExt cx="0" cy="0"/>
         </a:xfrm>
       </p:grpSpPr>
+      <p:sp useBgFill="1">
+        <p:nvSpPr>
+          <p:cNvPr id="8" name="Rectangle 7">
+            <a:extLst>
+              <a:ext uri="{FF2B5EF4-FFF2-40B4-BE49-F238E27FC236}">
+                <a16:creationId xmlns:a16="http://schemas.microsoft.com/office/drawing/2014/main" id="{FFD48BC7-DC40-47DE-87EE-9F4B6ECB9ABB}"/>
+              </a:ext>
+              <a:ext uri="{C183D7F6-B498-43B3-948B-1728B52AA6E4}">
+                <adec:decorative xmlns:adec="http://schemas.microsoft.com/office/drawing/2017/decorative" val="1"/>
+              </a:ext>
+            </a:extLst>
+          </p:cNvPr>
+          <p:cNvSpPr>
+            <a:spLocks noGrp="1" noRot="1" noChangeAspect="1" noMove="1" noResize="1" noEditPoints="1" noAdjustHandles="1" noChangeArrowheads="1" noChangeShapeType="1" noTextEdit="1"/>
+          </p:cNvSpPr>
+          <p:nvPr>
+            <p:extLst>
+              <p:ext uri="{386F3935-93C4-4BCD-93E2-E3B085C9AB24}">
+                <p16:designElem xmlns:p16="http://schemas.microsoft.com/office/powerpoint/2015/main" val="1"/>
+              </p:ext>
+            </p:extLst>
+          </p:nvPr>
+        </p:nvSpPr>
+        <p:spPr>
+          <a:xfrm>
+            <a:off x="0" y="0"/>
+            <a:ext cx="12192000" cy="6858000"/>
+          </a:xfrm>
+          <a:prstGeom prst="rect">
+            <a:avLst/>
+          </a:prstGeom>
+          <a:ln>
+            <a:noFill/>
+          </a:ln>
+        </p:spPr>
+        <p:style>
+          <a:lnRef idx="2">
+            <a:schemeClr val="accent1">
+              <a:shade val="50000"/>
+            </a:schemeClr>
+          </a:lnRef>
+          <a:fillRef idx="1">
+            <a:schemeClr val="accent1"/>
+          </a:fillRef>
+          <a:effectRef idx="0">
+            <a:schemeClr val="accent1"/>
+          </a:effectRef>
+          <a:fontRef idx="minor">
+            <a:schemeClr val="lt1"/>
+          </a:fontRef>
+        </p:style>
+        <p:txBody>
+          <a:bodyPr rtlCol="0" anchor="ctr"/>
+          <a:lstStyle/>
+          <a:p>
+            <a:pPr algn="ctr"/>
+            <a:endParaRPr lang="en-US"/>
+          </a:p>
+        </p:txBody>
+      </p:sp>
+      <p:sp useBgFill="1">
+        <p:nvSpPr>
+          <p:cNvPr id="10" name="Freeform: Shape 9">
+            <a:extLst>
+              <a:ext uri="{FF2B5EF4-FFF2-40B4-BE49-F238E27FC236}">
+                <a16:creationId xmlns:a16="http://schemas.microsoft.com/office/drawing/2014/main" id="{E502BBC7-2C76-46F3-BC24-5985BC13DB88}"/>
+              </a:ext>
+              <a:ext uri="{C183D7F6-B498-43B3-948B-1728B52AA6E4}">
+                <adec:decorative xmlns:adec="http://schemas.microsoft.com/office/drawing/2017/decorative" val="1"/>
+              </a:ext>
+            </a:extLst>
+          </p:cNvPr>
+          <p:cNvSpPr>
+            <a:spLocks noGrp="1" noRot="1" noChangeAspect="1" noMove="1" noResize="1" noEditPoints="1" noAdjustHandles="1" noChangeArrowheads="1" noChangeShapeType="1" noTextEdit="1"/>
+          </p:cNvSpPr>
+          <p:nvPr>
+            <p:extLst>
+              <p:ext uri="{386F3935-93C4-4BCD-93E2-E3B085C9AB24}">
+                <p16:designElem xmlns:p16="http://schemas.microsoft.com/office/powerpoint/2015/main" val="1"/>
+              </p:ext>
+            </p:extLst>
+          </p:nvPr>
+        </p:nvSpPr>
+        <p:spPr>
+          <a:xfrm>
+            <a:off x="1114425" y="0"/>
+            <a:ext cx="9963150" cy="6858000"/>
+          </a:xfrm>
+          <a:custGeom>
+            <a:avLst/>
+            <a:gdLst>
+              <a:gd name="connsiteX0" fmla="*/ 1595771 w 9963150"/>
+              <a:gd name="connsiteY0" fmla="*/ 0 h 6858000"/>
+              <a:gd name="connsiteX1" fmla="*/ 8367379 w 9963150"/>
+              <a:gd name="connsiteY1" fmla="*/ 0 h 6858000"/>
+              <a:gd name="connsiteX2" fmla="*/ 8504080 w 9963150"/>
+              <a:gd name="connsiteY2" fmla="*/ 130333 h 6858000"/>
+              <a:gd name="connsiteX3" fmla="*/ 9963150 w 9963150"/>
+              <a:gd name="connsiteY3" fmla="*/ 3652838 h 6858000"/>
+              <a:gd name="connsiteX4" fmla="*/ 8825600 w 9963150"/>
+              <a:gd name="connsiteY4" fmla="*/ 6821583 h 6858000"/>
+              <a:gd name="connsiteX5" fmla="*/ 8794055 w 9963150"/>
+              <a:gd name="connsiteY5" fmla="*/ 6858000 h 6858000"/>
+              <a:gd name="connsiteX6" fmla="*/ 1169096 w 9963150"/>
+              <a:gd name="connsiteY6" fmla="*/ 6858000 h 6858000"/>
+              <a:gd name="connsiteX7" fmla="*/ 1137550 w 9963150"/>
+              <a:gd name="connsiteY7" fmla="*/ 6821583 h 6858000"/>
+              <a:gd name="connsiteX8" fmla="*/ 0 w 9963150"/>
+              <a:gd name="connsiteY8" fmla="*/ 3652838 h 6858000"/>
+              <a:gd name="connsiteX9" fmla="*/ 1459070 w 9963150"/>
+              <a:gd name="connsiteY9" fmla="*/ 130333 h 6858000"/>
+            </a:gdLst>
+            <a:ahLst/>
+            <a:cxnLst>
+              <a:cxn ang="0">
+                <a:pos x="connsiteX0" y="connsiteY0"/>
+              </a:cxn>
+              <a:cxn ang="0">
+                <a:pos x="connsiteX1" y="connsiteY1"/>
+              </a:cxn>
+              <a:cxn ang="0">
+                <a:pos x="connsiteX2" y="connsiteY2"/>
+              </a:cxn>
+              <a:cxn ang="0">
+                <a:pos x="connsiteX3" y="connsiteY3"/>
+              </a:cxn>
+              <a:cxn ang="0">
+                <a:pos x="connsiteX4" y="connsiteY4"/>
+              </a:cxn>
+              <a:cxn ang="0">
+                <a:pos x="connsiteX5" y="connsiteY5"/>
+              </a:cxn>
+              <a:cxn ang="0">
+                <a:pos x="connsiteX6" y="connsiteY6"/>
+              </a:cxn>
+              <a:cxn ang="0">
+                <a:pos x="connsiteX7" y="connsiteY7"/>
+              </a:cxn>
+              <a:cxn ang="0">
+                <a:pos x="connsiteX8" y="connsiteY8"/>
+              </a:cxn>
+              <a:cxn ang="0">
+                <a:pos x="connsiteX9" y="connsiteY9"/>
+              </a:cxn>
+            </a:cxnLst>
+            <a:rect l="l" t="t" r="r" b="b"/>
+            <a:pathLst>
+              <a:path w="9963150" h="6858000">
+                <a:moveTo>
+                  <a:pt x="1595771" y="0"/>
+                </a:moveTo>
+                <a:lnTo>
+                  <a:pt x="8367379" y="0"/>
+                </a:lnTo>
+                <a:lnTo>
+                  <a:pt x="8504080" y="130333"/>
+                </a:lnTo>
+                <a:cubicBezTo>
+                  <a:pt x="9405568" y="1031820"/>
+                  <a:pt x="9963150" y="2277214"/>
+                  <a:pt x="9963150" y="3652838"/>
+                </a:cubicBezTo>
+                <a:cubicBezTo>
+                  <a:pt x="9963150" y="4856509"/>
+                  <a:pt x="9536251" y="5960473"/>
+                  <a:pt x="8825600" y="6821583"/>
+                </a:cubicBezTo>
+                <a:lnTo>
+                  <a:pt x="8794055" y="6858000"/>
+                </a:lnTo>
+                <a:lnTo>
+                  <a:pt x="1169096" y="6858000"/>
+                </a:lnTo>
+                <a:lnTo>
+                  <a:pt x="1137550" y="6821583"/>
+                </a:lnTo>
+                <a:cubicBezTo>
+                  <a:pt x="426899" y="5960473"/>
+                  <a:pt x="0" y="4856509"/>
+                  <a:pt x="0" y="3652838"/>
+                </a:cubicBezTo>
+                <a:cubicBezTo>
+                  <a:pt x="0" y="2277214"/>
+                  <a:pt x="557582" y="1031820"/>
+                  <a:pt x="1459070" y="130333"/>
+                </a:cubicBezTo>
+                <a:close/>
+              </a:path>
+            </a:pathLst>
+          </a:custGeom>
+          <a:ln w="9525">
+            <a:solidFill>
+              <a:srgbClr val="EFEFEF"/>
+            </a:solidFill>
+          </a:ln>
+          <a:effectLst>
+            <a:outerShdw blurRad="139700" sx="102000" sy="102000" algn="ctr" rotWithShape="0">
+              <a:schemeClr val="bg1">
+                <a:lumMod val="85000"/>
+                <a:alpha val="38000"/>
+              </a:schemeClr>
+            </a:outerShdw>
+          </a:effectLst>
+        </p:spPr>
+        <p:style>
+          <a:lnRef idx="2">
+            <a:schemeClr val="accent1">
+              <a:shade val="50000"/>
+            </a:schemeClr>
+          </a:lnRef>
+          <a:fillRef idx="1">
+            <a:schemeClr val="accent1"/>
+          </a:fillRef>
+          <a:effectRef idx="0">
+            <a:schemeClr val="accent1"/>
+          </a:effectRef>
+          <a:fontRef idx="minor">
+            <a:schemeClr val="lt1"/>
+          </a:fontRef>
+        </p:style>
+        <p:txBody>
+          <a:bodyPr wrap="square" rtlCol="0" anchor="ctr">
+            <a:noAutofit/>
+          </a:bodyPr>
+          <a:lstStyle/>
+          <a:p>
+            <a:pPr marL="0" marR="0" lvl="0" indent="0" algn="ctr" defTabSz="914400" rtl="0" eaLnBrk="1" fontAlgn="auto" latinLnBrk="0" hangingPunct="1">
+              <a:lnSpc>
+                <a:spcPct val="100000"/>
+              </a:lnSpc>
+              <a:spcBef>
+                <a:spcPts val="0"/>
+              </a:spcBef>
+              <a:spcAft>
+                <a:spcPts val="0"/>
+              </a:spcAft>
+              <a:buClrTx/>
+              <a:buSzTx/>
+              <a:buFontTx/>
+              <a:buNone/>
+              <a:tabLst/>
+              <a:defRPr/>
+            </a:pPr>
+            <a:endParaRPr kumimoji="0" lang="en-US" sz="1800" b="0" i="0" u="none" strike="noStrike" kern="1200" cap="none" spc="0" normalizeH="0" baseline="0" noProof="0">
+              <a:ln>
+                <a:noFill/>
+              </a:ln>
+              <a:solidFill>
+                <a:prstClr val="white"/>
+              </a:solidFill>
+              <a:effectLst/>
+              <a:uLnTx/>
+              <a:uFillTx/>
+              <a:latin typeface="Calibri" panose="020F0502020204030204"/>
+              <a:ea typeface="+mn-ea"/>
+              <a:cs typeface="+mn-cs"/>
+            </a:endParaRPr>
+          </a:p>
+        </p:txBody>
+      </p:sp>
+      <p:sp useBgFill="1">
+        <p:nvSpPr>
+          <p:cNvPr id="12" name="Freeform: Shape 11">
+            <a:extLst>
+              <a:ext uri="{FF2B5EF4-FFF2-40B4-BE49-F238E27FC236}">
+                <a16:creationId xmlns:a16="http://schemas.microsoft.com/office/drawing/2014/main" id="{C7F28D52-2A5F-4D23-81AE-7CB8B591C7AF}"/>
+              </a:ext>
+              <a:ext uri="{C183D7F6-B498-43B3-948B-1728B52AA6E4}">
+                <adec:decorative xmlns:adec="http://schemas.microsoft.com/office/drawing/2017/decorative" val="1"/>
+              </a:ext>
+            </a:extLst>
+          </p:cNvPr>
+          <p:cNvSpPr>
+            <a:spLocks noGrp="1" noRot="1" noChangeAspect="1" noMove="1" noResize="1" noEditPoints="1" noAdjustHandles="1" noChangeArrowheads="1" noChangeShapeType="1" noTextEdit="1"/>
+          </p:cNvSpPr>
+          <p:nvPr>
+            <p:extLst>
+              <p:ext uri="{386F3935-93C4-4BCD-93E2-E3B085C9AB24}">
+                <p16:designElem xmlns:p16="http://schemas.microsoft.com/office/powerpoint/2015/main" val="1"/>
+              </p:ext>
+            </p:extLst>
+          </p:nvPr>
+        </p:nvSpPr>
+        <p:spPr>
+          <a:xfrm>
+            <a:off x="1121664" y="0"/>
+            <a:ext cx="9948672" cy="6858000"/>
+          </a:xfrm>
+          <a:custGeom>
+            <a:avLst/>
+            <a:gdLst>
+              <a:gd name="connsiteX0" fmla="*/ 1595771 w 9963150"/>
+              <a:gd name="connsiteY0" fmla="*/ 0 h 6858000"/>
+              <a:gd name="connsiteX1" fmla="*/ 8367379 w 9963150"/>
+              <a:gd name="connsiteY1" fmla="*/ 0 h 6858000"/>
+              <a:gd name="connsiteX2" fmla="*/ 8504080 w 9963150"/>
+              <a:gd name="connsiteY2" fmla="*/ 130333 h 6858000"/>
+              <a:gd name="connsiteX3" fmla="*/ 9963150 w 9963150"/>
+              <a:gd name="connsiteY3" fmla="*/ 3652838 h 6858000"/>
+              <a:gd name="connsiteX4" fmla="*/ 8825600 w 9963150"/>
+              <a:gd name="connsiteY4" fmla="*/ 6821583 h 6858000"/>
+              <a:gd name="connsiteX5" fmla="*/ 8794055 w 9963150"/>
+              <a:gd name="connsiteY5" fmla="*/ 6858000 h 6858000"/>
+              <a:gd name="connsiteX6" fmla="*/ 1169096 w 9963150"/>
+              <a:gd name="connsiteY6" fmla="*/ 6858000 h 6858000"/>
+              <a:gd name="connsiteX7" fmla="*/ 1137550 w 9963150"/>
+              <a:gd name="connsiteY7" fmla="*/ 6821583 h 6858000"/>
+              <a:gd name="connsiteX8" fmla="*/ 0 w 9963150"/>
+              <a:gd name="connsiteY8" fmla="*/ 3652838 h 6858000"/>
+              <a:gd name="connsiteX9" fmla="*/ 1459070 w 9963150"/>
+              <a:gd name="connsiteY9" fmla="*/ 130333 h 6858000"/>
+            </a:gdLst>
+            <a:ahLst/>
+            <a:cxnLst>
+              <a:cxn ang="0">
+                <a:pos x="connsiteX0" y="connsiteY0"/>
+              </a:cxn>
+              <a:cxn ang="0">
+                <a:pos x="connsiteX1" y="connsiteY1"/>
+              </a:cxn>
+              <a:cxn ang="0">
+                <a:pos x="connsiteX2" y="connsiteY2"/>
+              </a:cxn>
+              <a:cxn ang="0">
+                <a:pos x="connsiteX3" y="connsiteY3"/>
+              </a:cxn>
+              <a:cxn ang="0">
+                <a:pos x="connsiteX4" y="connsiteY4"/>
+              </a:cxn>
+              <a:cxn ang="0">
+                <a:pos x="connsiteX5" y="connsiteY5"/>
+              </a:cxn>
+              <a:cxn ang="0">
+                <a:pos x="connsiteX6" y="connsiteY6"/>
+              </a:cxn>
+              <a:cxn ang="0">
+                <a:pos x="connsiteX7" y="connsiteY7"/>
+              </a:cxn>
+              <a:cxn ang="0">
+                <a:pos x="connsiteX8" y="connsiteY8"/>
+              </a:cxn>
+              <a:cxn ang="0">
+                <a:pos x="connsiteX9" y="connsiteY9"/>
+              </a:cxn>
+            </a:cxnLst>
+            <a:rect l="l" t="t" r="r" b="b"/>
+            <a:pathLst>
+              <a:path w="9963150" h="6858000">
+                <a:moveTo>
+                  <a:pt x="1595771" y="0"/>
+                </a:moveTo>
+                <a:lnTo>
+                  <a:pt x="8367379" y="0"/>
+                </a:lnTo>
+                <a:lnTo>
+                  <a:pt x="8504080" y="130333"/>
+                </a:lnTo>
+                <a:cubicBezTo>
+                  <a:pt x="9405568" y="1031820"/>
+                  <a:pt x="9963150" y="2277214"/>
+                  <a:pt x="9963150" y="3652838"/>
+                </a:cubicBezTo>
+                <a:cubicBezTo>
+                  <a:pt x="9963150" y="4856509"/>
+                  <a:pt x="9536251" y="5960473"/>
+                  <a:pt x="8825600" y="6821583"/>
+                </a:cubicBezTo>
+                <a:lnTo>
+                  <a:pt x="8794055" y="6858000"/>
+                </a:lnTo>
+                <a:lnTo>
+                  <a:pt x="1169096" y="6858000"/>
+                </a:lnTo>
+                <a:lnTo>
+                  <a:pt x="1137550" y="6821583"/>
+                </a:lnTo>
+                <a:cubicBezTo>
+                  <a:pt x="426899" y="5960473"/>
+                  <a:pt x="0" y="4856509"/>
+                  <a:pt x="0" y="3652838"/>
+                </a:cubicBezTo>
+                <a:cubicBezTo>
+                  <a:pt x="0" y="2277214"/>
+                  <a:pt x="557582" y="1031820"/>
+                  <a:pt x="1459070" y="130333"/>
+                </a:cubicBezTo>
+                <a:close/>
+              </a:path>
+            </a:pathLst>
+          </a:custGeom>
+          <a:ln w="9525">
+            <a:noFill/>
+          </a:ln>
+          <a:effectLst/>
+        </p:spPr>
+        <p:style>
+          <a:lnRef idx="2">
+            <a:schemeClr val="accent1">
+              <a:shade val="50000"/>
+            </a:schemeClr>
+          </a:lnRef>
+          <a:fillRef idx="1">
+            <a:schemeClr val="accent1"/>
+          </a:fillRef>
+          <a:effectRef idx="0">
+            <a:schemeClr val="accent1"/>
+          </a:effectRef>
+          <a:fontRef idx="minor">
+            <a:schemeClr val="lt1"/>
+          </a:fontRef>
+        </p:style>
+        <p:txBody>
+          <a:bodyPr wrap="square" rtlCol="0" anchor="ctr">
+            <a:noAutofit/>
+          </a:bodyPr>
+          <a:lstStyle/>
+          <a:p>
+            <a:pPr marL="0" marR="0" lvl="0" indent="0" algn="ctr" defTabSz="914400" rtl="0" eaLnBrk="1" fontAlgn="auto" latinLnBrk="0" hangingPunct="1">
+              <a:lnSpc>
+                <a:spcPct val="100000"/>
+              </a:lnSpc>
+              <a:spcBef>
+                <a:spcPts val="0"/>
+              </a:spcBef>
+              <a:spcAft>
+                <a:spcPts val="0"/>
+              </a:spcAft>
+              <a:buClrTx/>
+              <a:buSzTx/>
+              <a:buFontTx/>
+              <a:buNone/>
+              <a:tabLst/>
+              <a:defRPr/>
+            </a:pPr>
+            <a:endParaRPr kumimoji="0" lang="en-US" sz="1800" b="0" i="0" u="none" strike="noStrike" kern="1200" cap="none" spc="0" normalizeH="0" baseline="0" noProof="0">
+              <a:ln>
+                <a:noFill/>
+              </a:ln>
+              <a:solidFill>
+                <a:prstClr val="white"/>
+              </a:solidFill>
+              <a:effectLst/>
+              <a:uLnTx/>
+              <a:uFillTx/>
+              <a:latin typeface="Calibri" panose="020F0502020204030204"/>
+              <a:ea typeface="+mn-ea"/>
+              <a:cs typeface="+mn-cs"/>
+            </a:endParaRPr>
+          </a:p>
+        </p:txBody>
+      </p:sp>
       <p:sp>
         <p:nvSpPr>
           <p:cNvPr id="2" name="Titel 1">
@@ -3370,16 +3840,23 @@
             <p:ph type="ctrTitle"/>
           </p:nvPr>
         </p:nvSpPr>
-        <p:spPr/>
-        <p:txBody>
-          <a:bodyPr/>
-          <a:lstStyle/>
-          <a:p>
-            <a:r>
-              <a:rPr lang="de-DE" dirty="0"/>
+        <p:spPr>
+          <a:xfrm>
+            <a:off x="1524003" y="1999615"/>
+            <a:ext cx="9144000" cy="2764028"/>
+          </a:xfrm>
+        </p:spPr>
+        <p:txBody>
+          <a:bodyPr anchor="ctr">
+            <a:normAutofit/>
+          </a:bodyPr>
+          <a:lstStyle/>
+          <a:p>
+            <a:r>
+              <a:rPr lang="de-DE" sz="7200"/>
               <a:t>Numerische Integration</a:t>
             </a:r>
-            <a:endParaRPr lang="de-AT" dirty="0"/>
+            <a:endParaRPr lang="de-AT" sz="7200"/>
           </a:p>
         </p:txBody>
       </p:sp>
@@ -3399,16 +3876,115 @@
             <p:ph type="subTitle" idx="1"/>
           </p:nvPr>
         </p:nvSpPr>
-        <p:spPr/>
-        <p:txBody>
-          <a:bodyPr/>
-          <a:lstStyle/>
-          <a:p>
-            <a:r>
-              <a:rPr lang="de-DE" dirty="0"/>
+        <p:spPr>
+          <a:xfrm>
+            <a:off x="1966912" y="5645150"/>
+            <a:ext cx="8258176" cy="631825"/>
+          </a:xfrm>
+        </p:spPr>
+        <p:txBody>
+          <a:bodyPr anchor="ctr">
+            <a:normAutofit/>
+          </a:bodyPr>
+          <a:lstStyle/>
+          <a:p>
+            <a:r>
+              <a:rPr lang="de-DE" sz="2800"/>
               <a:t>By Siemens</a:t>
             </a:r>
-            <a:endParaRPr lang="de-AT" dirty="0"/>
+            <a:endParaRPr lang="de-AT" sz="2800"/>
+          </a:p>
+        </p:txBody>
+      </p:sp>
+      <p:sp>
+        <p:nvSpPr>
+          <p:cNvPr id="14" name="Rectangle 13">
+            <a:extLst>
+              <a:ext uri="{FF2B5EF4-FFF2-40B4-BE49-F238E27FC236}">
+                <a16:creationId xmlns:a16="http://schemas.microsoft.com/office/drawing/2014/main" id="{3629484E-3792-4B3D-89AD-7C8A1ED0E0D4}"/>
+              </a:ext>
+              <a:ext uri="{C183D7F6-B498-43B3-948B-1728B52AA6E4}">
+                <adec:decorative xmlns:adec="http://schemas.microsoft.com/office/drawing/2017/decorative" val="1"/>
+              </a:ext>
+            </a:extLst>
+          </p:cNvPr>
+          <p:cNvSpPr>
+            <a:spLocks noGrp="1" noRot="1" noChangeAspect="1" noMove="1" noResize="1" noEditPoints="1" noAdjustHandles="1" noChangeArrowheads="1" noChangeShapeType="1" noTextEdit="1"/>
+          </p:cNvSpPr>
+          <p:nvPr>
+            <p:extLst>
+              <p:ext uri="{386F3935-93C4-4BCD-93E2-E3B085C9AB24}">
+                <p16:designElem xmlns:p16="http://schemas.microsoft.com/office/powerpoint/2015/main" val="1"/>
+              </p:ext>
+            </p:extLst>
+          </p:nvPr>
+        </p:nvSpPr>
+        <p:spPr>
+          <a:xfrm>
+            <a:off x="3718560" y="5524786"/>
+            <a:ext cx="4754880" cy="27432"/>
+          </a:xfrm>
+          <a:prstGeom prst="rect">
+            <a:avLst/>
+          </a:prstGeom>
+          <a:solidFill>
+            <a:schemeClr val="accent2"/>
+          </a:solidFill>
+          <a:ln>
+            <a:noFill/>
+          </a:ln>
+        </p:spPr>
+        <p:style>
+          <a:lnRef idx="2">
+            <a:schemeClr val="accent1">
+              <a:shade val="50000"/>
+            </a:schemeClr>
+          </a:lnRef>
+          <a:fillRef idx="1">
+            <a:schemeClr val="accent1"/>
+          </a:fillRef>
+          <a:effectRef idx="0">
+            <a:schemeClr val="accent1"/>
+          </a:effectRef>
+          <a:fontRef idx="minor">
+            <a:schemeClr val="lt1"/>
+          </a:fontRef>
+        </p:style>
+        <p:txBody>
+          <a:bodyPr rtlCol="0" anchor="ctr"/>
+          <a:lstStyle/>
+          <a:p>
+            <a:pPr marL="0" marR="0" lvl="0" indent="0" algn="ctr" defTabSz="914400" rtl="0" eaLnBrk="1" fontAlgn="auto" latinLnBrk="0" hangingPunct="1">
+              <a:lnSpc>
+                <a:spcPct val="100000"/>
+              </a:lnSpc>
+              <a:spcBef>
+                <a:spcPts val="0"/>
+              </a:spcBef>
+              <a:spcAft>
+                <a:spcPts val="0"/>
+              </a:spcAft>
+              <a:buClrTx/>
+              <a:buSzTx/>
+              <a:buFontTx/>
+              <a:buNone/>
+              <a:tabLst/>
+              <a:defRPr/>
+            </a:pPr>
+            <a:endParaRPr kumimoji="0" lang="en-US" sz="1800" b="0" i="0" u="none" strike="noStrike" kern="1200" cap="none" spc="0" normalizeH="0" baseline="0" noProof="0">
+              <a:ln>
+                <a:noFill/>
+              </a:ln>
+              <a:solidFill>
+                <a:prstClr val="white"/>
+              </a:solidFill>
+              <a:effectLst/>
+              <a:uLnTx/>
+              <a:uFillTx/>
+              <a:latin typeface="Calibri" panose="020F0502020204030204"/>
+              <a:ea typeface="+mn-ea"/>
+              <a:cs typeface="+mn-cs"/>
+            </a:endParaRPr>
           </a:p>
         </p:txBody>
       </p:sp>
@@ -3428,6 +4004,14 @@
 <file path=ppt/slides/slide2.xml><?xml version="1.0" encoding="utf-8"?>
 <p:sld xmlns:a="http://schemas.openxmlformats.org/drawingml/2006/main" xmlns:r="http://schemas.openxmlformats.org/officeDocument/2006/relationships" xmlns:p="http://schemas.openxmlformats.org/presentationml/2006/main">
   <p:cSld>
+    <p:bg>
+      <p:bgPr>
+        <a:solidFill>
+          <a:schemeClr val="bg1"/>
+        </a:solidFill>
+        <a:effectLst/>
+      </p:bgPr>
+    </p:bg>
     <p:spTree>
       <p:nvGrpSpPr>
         <p:cNvPr id="1" name=""/>
@@ -3442,6 +4026,401 @@
           <a:chExt cx="0" cy="0"/>
         </a:xfrm>
       </p:grpSpPr>
+      <p:sp useBgFill="1">
+        <p:nvSpPr>
+          <p:cNvPr id="8" name="Rectangle 7">
+            <a:extLst>
+              <a:ext uri="{FF2B5EF4-FFF2-40B4-BE49-F238E27FC236}">
+                <a16:creationId xmlns:a16="http://schemas.microsoft.com/office/drawing/2014/main" id="{1C799903-48D5-4A31-A1A2-541072D9771E}"/>
+              </a:ext>
+              <a:ext uri="{C183D7F6-B498-43B3-948B-1728B52AA6E4}">
+                <adec:decorative xmlns:adec="http://schemas.microsoft.com/office/drawing/2017/decorative" val="1"/>
+              </a:ext>
+            </a:extLst>
+          </p:cNvPr>
+          <p:cNvSpPr>
+            <a:spLocks noGrp="1" noRot="1" noChangeAspect="1" noMove="1" noResize="1" noEditPoints="1" noAdjustHandles="1" noChangeArrowheads="1" noChangeShapeType="1" noTextEdit="1"/>
+          </p:cNvSpPr>
+          <p:nvPr>
+            <p:extLst>
+              <p:ext uri="{386F3935-93C4-4BCD-93E2-E3B085C9AB24}">
+                <p16:designElem xmlns:p16="http://schemas.microsoft.com/office/powerpoint/2015/main" val="1"/>
+              </p:ext>
+            </p:extLst>
+          </p:nvPr>
+        </p:nvSpPr>
+        <p:spPr>
+          <a:xfrm>
+            <a:off x="0" y="0"/>
+            <a:ext cx="12192002" cy="6858000"/>
+          </a:xfrm>
+          <a:prstGeom prst="rect">
+            <a:avLst/>
+          </a:prstGeom>
+          <a:ln>
+            <a:noFill/>
+          </a:ln>
+        </p:spPr>
+        <p:style>
+          <a:lnRef idx="2">
+            <a:schemeClr val="accent1">
+              <a:shade val="50000"/>
+            </a:schemeClr>
+          </a:lnRef>
+          <a:fillRef idx="1">
+            <a:schemeClr val="accent1"/>
+          </a:fillRef>
+          <a:effectRef idx="0">
+            <a:schemeClr val="accent1"/>
+          </a:effectRef>
+          <a:fontRef idx="minor">
+            <a:schemeClr val="lt1"/>
+          </a:fontRef>
+        </p:style>
+        <p:txBody>
+          <a:bodyPr rtlCol="0" anchor="ctr"/>
+          <a:lstStyle/>
+          <a:p>
+            <a:pPr algn="ctr"/>
+            <a:endParaRPr lang="en-US"/>
+          </a:p>
+        </p:txBody>
+      </p:sp>
+      <p:sp useBgFill="1">
+        <p:nvSpPr>
+          <p:cNvPr id="10" name="Freeform: Shape 9">
+            <a:extLst>
+              <a:ext uri="{FF2B5EF4-FFF2-40B4-BE49-F238E27FC236}">
+                <a16:creationId xmlns:a16="http://schemas.microsoft.com/office/drawing/2014/main" id="{8EFFF109-FC58-4FD3-BE05-9775A1310F55}"/>
+              </a:ext>
+              <a:ext uri="{C183D7F6-B498-43B3-948B-1728B52AA6E4}">
+                <adec:decorative xmlns:adec="http://schemas.microsoft.com/office/drawing/2017/decorative" val="1"/>
+              </a:ext>
+            </a:extLst>
+          </p:cNvPr>
+          <p:cNvSpPr>
+            <a:spLocks noGrp="1" noRot="1" noChangeAspect="1" noMove="1" noResize="1" noEditPoints="1" noAdjustHandles="1" noChangeArrowheads="1" noChangeShapeType="1" noTextEdit="1"/>
+          </p:cNvSpPr>
+          <p:nvPr>
+            <p:extLst>
+              <p:ext uri="{386F3935-93C4-4BCD-93E2-E3B085C9AB24}">
+                <p16:designElem xmlns:p16="http://schemas.microsoft.com/office/powerpoint/2015/main" val="1"/>
+              </p:ext>
+            </p:extLst>
+          </p:nvPr>
+        </p:nvSpPr>
+        <p:spPr>
+          <a:xfrm>
+            <a:off x="-1" y="0"/>
+            <a:ext cx="4818889" cy="6858000"/>
+          </a:xfrm>
+          <a:custGeom>
+            <a:avLst/>
+            <a:gdLst>
+              <a:gd name="connsiteX0" fmla="*/ 0 w 4818889"/>
+              <a:gd name="connsiteY0" fmla="*/ 0 h 6858000"/>
+              <a:gd name="connsiteX1" fmla="*/ 3605911 w 4818889"/>
+              <a:gd name="connsiteY1" fmla="*/ 0 h 6858000"/>
+              <a:gd name="connsiteX2" fmla="*/ 3668894 w 4818889"/>
+              <a:gd name="connsiteY2" fmla="*/ 69271 h 6858000"/>
+              <a:gd name="connsiteX3" fmla="*/ 4818889 w 4818889"/>
+              <a:gd name="connsiteY3" fmla="*/ 3429000 h 6858000"/>
+              <a:gd name="connsiteX4" fmla="*/ 3668894 w 4818889"/>
+              <a:gd name="connsiteY4" fmla="*/ 6788730 h 6858000"/>
+              <a:gd name="connsiteX5" fmla="*/ 3605911 w 4818889"/>
+              <a:gd name="connsiteY5" fmla="*/ 6858000 h 6858000"/>
+              <a:gd name="connsiteX6" fmla="*/ 0 w 4818889"/>
+              <a:gd name="connsiteY6" fmla="*/ 6858000 h 6858000"/>
+            </a:gdLst>
+            <a:ahLst/>
+            <a:cxnLst>
+              <a:cxn ang="0">
+                <a:pos x="connsiteX0" y="connsiteY0"/>
+              </a:cxn>
+              <a:cxn ang="0">
+                <a:pos x="connsiteX1" y="connsiteY1"/>
+              </a:cxn>
+              <a:cxn ang="0">
+                <a:pos x="connsiteX2" y="connsiteY2"/>
+              </a:cxn>
+              <a:cxn ang="0">
+                <a:pos x="connsiteX3" y="connsiteY3"/>
+              </a:cxn>
+              <a:cxn ang="0">
+                <a:pos x="connsiteX4" y="connsiteY4"/>
+              </a:cxn>
+              <a:cxn ang="0">
+                <a:pos x="connsiteX5" y="connsiteY5"/>
+              </a:cxn>
+              <a:cxn ang="0">
+                <a:pos x="connsiteX6" y="connsiteY6"/>
+              </a:cxn>
+            </a:cxnLst>
+            <a:rect l="l" t="t" r="r" b="b"/>
+            <a:pathLst>
+              <a:path w="4818889" h="6858000">
+                <a:moveTo>
+                  <a:pt x="0" y="0"/>
+                </a:moveTo>
+                <a:lnTo>
+                  <a:pt x="3605911" y="0"/>
+                </a:lnTo>
+                <a:lnTo>
+                  <a:pt x="3668894" y="69271"/>
+                </a:lnTo>
+                <a:cubicBezTo>
+                  <a:pt x="4379420" y="929100"/>
+                  <a:pt x="4818889" y="2116944"/>
+                  <a:pt x="4818889" y="3429000"/>
+                </a:cubicBezTo>
+                <a:cubicBezTo>
+                  <a:pt x="4818889" y="4741056"/>
+                  <a:pt x="4379420" y="5928900"/>
+                  <a:pt x="3668894" y="6788730"/>
+                </a:cubicBezTo>
+                <a:lnTo>
+                  <a:pt x="3605911" y="6858000"/>
+                </a:lnTo>
+                <a:lnTo>
+                  <a:pt x="0" y="6858000"/>
+                </a:lnTo>
+                <a:close/>
+              </a:path>
+            </a:pathLst>
+          </a:custGeom>
+          <a:ln w="9525">
+            <a:solidFill>
+              <a:srgbClr val="E6E6E6"/>
+            </a:solidFill>
+          </a:ln>
+          <a:effectLst>
+            <a:outerShdw blurRad="50800" dist="38100" algn="l" rotWithShape="0">
+              <a:schemeClr val="bg1">
+                <a:lumMod val="85000"/>
+                <a:alpha val="50000"/>
+              </a:schemeClr>
+            </a:outerShdw>
+          </a:effectLst>
+        </p:spPr>
+        <p:style>
+          <a:lnRef idx="2">
+            <a:schemeClr val="accent1">
+              <a:shade val="50000"/>
+            </a:schemeClr>
+          </a:lnRef>
+          <a:fillRef idx="1">
+            <a:schemeClr val="accent1"/>
+          </a:fillRef>
+          <a:effectRef idx="0">
+            <a:schemeClr val="accent1"/>
+          </a:effectRef>
+          <a:fontRef idx="minor">
+            <a:schemeClr val="lt1"/>
+          </a:fontRef>
+        </p:style>
+        <p:txBody>
+          <a:bodyPr wrap="square" rtlCol="0" anchor="ctr">
+            <a:noAutofit/>
+          </a:bodyPr>
+          <a:lstStyle/>
+          <a:p>
+            <a:pPr marL="0" marR="0" lvl="0" indent="0" algn="ctr" defTabSz="914400" rtl="0" eaLnBrk="1" fontAlgn="auto" latinLnBrk="0" hangingPunct="1">
+              <a:lnSpc>
+                <a:spcPct val="100000"/>
+              </a:lnSpc>
+              <a:spcBef>
+                <a:spcPts val="0"/>
+              </a:spcBef>
+              <a:spcAft>
+                <a:spcPts val="0"/>
+              </a:spcAft>
+              <a:buClrTx/>
+              <a:buSzTx/>
+              <a:buFontTx/>
+              <a:buNone/>
+              <a:tabLst/>
+              <a:defRPr/>
+            </a:pPr>
+            <a:endParaRPr kumimoji="0" lang="en-US" sz="1800" b="0" i="0" u="none" strike="noStrike" kern="1200" cap="none" spc="0" normalizeH="0" baseline="0" noProof="0">
+              <a:ln>
+                <a:noFill/>
+              </a:ln>
+              <a:solidFill>
+                <a:prstClr val="white"/>
+              </a:solidFill>
+              <a:effectLst/>
+              <a:uLnTx/>
+              <a:uFillTx/>
+              <a:latin typeface="Calibri" panose="020F0502020204030204"/>
+              <a:ea typeface="+mn-ea"/>
+              <a:cs typeface="+mn-cs"/>
+            </a:endParaRPr>
+          </a:p>
+        </p:txBody>
+      </p:sp>
+      <p:sp useBgFill="1">
+        <p:nvSpPr>
+          <p:cNvPr id="12" name="Freeform: Shape 11">
+            <a:extLst>
+              <a:ext uri="{FF2B5EF4-FFF2-40B4-BE49-F238E27FC236}">
+                <a16:creationId xmlns:a16="http://schemas.microsoft.com/office/drawing/2014/main" id="{E1B96AD6-92A9-4273-A62B-96A1C3E0BA95}"/>
+              </a:ext>
+              <a:ext uri="{C183D7F6-B498-43B3-948B-1728B52AA6E4}">
+                <adec:decorative xmlns:adec="http://schemas.microsoft.com/office/drawing/2017/decorative" val="1"/>
+              </a:ext>
+            </a:extLst>
+          </p:cNvPr>
+          <p:cNvSpPr>
+            <a:spLocks noGrp="1" noRot="1" noChangeAspect="1" noMove="1" noResize="1" noEditPoints="1" noAdjustHandles="1" noChangeArrowheads="1" noChangeShapeType="1" noTextEdit="1"/>
+          </p:cNvSpPr>
+          <p:nvPr>
+            <p:extLst>
+              <p:ext uri="{386F3935-93C4-4BCD-93E2-E3B085C9AB24}">
+                <p16:designElem xmlns:p16="http://schemas.microsoft.com/office/powerpoint/2015/main" val="1"/>
+              </p:ext>
+            </p:extLst>
+          </p:nvPr>
+        </p:nvSpPr>
+        <p:spPr>
+          <a:xfrm>
+            <a:off x="1" y="0"/>
+            <a:ext cx="4811477" cy="6858000"/>
+          </a:xfrm>
+          <a:custGeom>
+            <a:avLst/>
+            <a:gdLst>
+              <a:gd name="connsiteX0" fmla="*/ 0 w 4811477"/>
+              <a:gd name="connsiteY0" fmla="*/ 0 h 6858000"/>
+              <a:gd name="connsiteX1" fmla="*/ 3598499 w 4811477"/>
+              <a:gd name="connsiteY1" fmla="*/ 0 h 6858000"/>
+              <a:gd name="connsiteX2" fmla="*/ 3661482 w 4811477"/>
+              <a:gd name="connsiteY2" fmla="*/ 69271 h 6858000"/>
+              <a:gd name="connsiteX3" fmla="*/ 4811477 w 4811477"/>
+              <a:gd name="connsiteY3" fmla="*/ 3429000 h 6858000"/>
+              <a:gd name="connsiteX4" fmla="*/ 3661482 w 4811477"/>
+              <a:gd name="connsiteY4" fmla="*/ 6788730 h 6858000"/>
+              <a:gd name="connsiteX5" fmla="*/ 3598499 w 4811477"/>
+              <a:gd name="connsiteY5" fmla="*/ 6858000 h 6858000"/>
+              <a:gd name="connsiteX6" fmla="*/ 0 w 4811477"/>
+              <a:gd name="connsiteY6" fmla="*/ 6858000 h 6858000"/>
+            </a:gdLst>
+            <a:ahLst/>
+            <a:cxnLst>
+              <a:cxn ang="0">
+                <a:pos x="connsiteX0" y="connsiteY0"/>
+              </a:cxn>
+              <a:cxn ang="0">
+                <a:pos x="connsiteX1" y="connsiteY1"/>
+              </a:cxn>
+              <a:cxn ang="0">
+                <a:pos x="connsiteX2" y="connsiteY2"/>
+              </a:cxn>
+              <a:cxn ang="0">
+                <a:pos x="connsiteX3" y="connsiteY3"/>
+              </a:cxn>
+              <a:cxn ang="0">
+                <a:pos x="connsiteX4" y="connsiteY4"/>
+              </a:cxn>
+              <a:cxn ang="0">
+                <a:pos x="connsiteX5" y="connsiteY5"/>
+              </a:cxn>
+              <a:cxn ang="0">
+                <a:pos x="connsiteX6" y="connsiteY6"/>
+              </a:cxn>
+            </a:cxnLst>
+            <a:rect l="l" t="t" r="r" b="b"/>
+            <a:pathLst>
+              <a:path w="4811477" h="6858000">
+                <a:moveTo>
+                  <a:pt x="0" y="0"/>
+                </a:moveTo>
+                <a:lnTo>
+                  <a:pt x="3598499" y="0"/>
+                </a:lnTo>
+                <a:lnTo>
+                  <a:pt x="3661482" y="69271"/>
+                </a:lnTo>
+                <a:cubicBezTo>
+                  <a:pt x="4372008" y="929100"/>
+                  <a:pt x="4811477" y="2116944"/>
+                  <a:pt x="4811477" y="3429000"/>
+                </a:cubicBezTo>
+                <a:cubicBezTo>
+                  <a:pt x="4811477" y="4741056"/>
+                  <a:pt x="4372008" y="5928900"/>
+                  <a:pt x="3661482" y="6788730"/>
+                </a:cubicBezTo>
+                <a:lnTo>
+                  <a:pt x="3598499" y="6858000"/>
+                </a:lnTo>
+                <a:lnTo>
+                  <a:pt x="0" y="6858000"/>
+                </a:lnTo>
+                <a:close/>
+              </a:path>
+            </a:pathLst>
+          </a:custGeom>
+          <a:ln w="9525">
+            <a:noFill/>
+          </a:ln>
+          <a:effectLst/>
+        </p:spPr>
+        <p:style>
+          <a:lnRef idx="2">
+            <a:schemeClr val="accent1">
+              <a:shade val="50000"/>
+            </a:schemeClr>
+          </a:lnRef>
+          <a:fillRef idx="1">
+            <a:schemeClr val="accent1"/>
+          </a:fillRef>
+          <a:effectRef idx="0">
+            <a:schemeClr val="accent1"/>
+          </a:effectRef>
+          <a:fontRef idx="minor">
+            <a:schemeClr val="lt1"/>
+          </a:fontRef>
+        </p:style>
+        <p:txBody>
+          <a:bodyPr wrap="square" rtlCol="0" anchor="ctr">
+            <a:noAutofit/>
+          </a:bodyPr>
+          <a:lstStyle/>
+          <a:p>
+            <a:pPr marL="0" marR="0" lvl="0" indent="0" algn="ctr" defTabSz="914400" rtl="0" eaLnBrk="1" fontAlgn="auto" latinLnBrk="0" hangingPunct="1">
+              <a:lnSpc>
+                <a:spcPct val="100000"/>
+              </a:lnSpc>
+              <a:spcBef>
+                <a:spcPts val="0"/>
+              </a:spcBef>
+              <a:spcAft>
+                <a:spcPts val="0"/>
+              </a:spcAft>
+              <a:buClrTx/>
+              <a:buSzTx/>
+              <a:buFontTx/>
+              <a:buNone/>
+              <a:tabLst/>
+              <a:defRPr/>
+            </a:pPr>
+            <a:endParaRPr kumimoji="0" lang="en-US" sz="1800" b="0" i="0" u="none" strike="noStrike" kern="1200" cap="none" spc="0" normalizeH="0" baseline="0" noProof="0">
+              <a:ln>
+                <a:noFill/>
+              </a:ln>
+              <a:solidFill>
+                <a:prstClr val="white"/>
+              </a:solidFill>
+              <a:effectLst/>
+              <a:uLnTx/>
+              <a:uFillTx/>
+              <a:latin typeface="Calibri" panose="020F0502020204030204"/>
+              <a:ea typeface="+mn-ea"/>
+              <a:cs typeface="+mn-cs"/>
+            </a:endParaRPr>
+          </a:p>
+        </p:txBody>
+      </p:sp>
       <p:sp>
         <p:nvSpPr>
           <p:cNvPr id="2" name="Titel 1">
@@ -3458,9 +4437,16 @@
             <p:ph type="title"/>
           </p:nvPr>
         </p:nvSpPr>
-        <p:spPr/>
-        <p:txBody>
-          <a:bodyPr/>
+        <p:spPr>
+          <a:xfrm>
+            <a:off x="621792" y="1161288"/>
+            <a:ext cx="3602736" cy="4526280"/>
+          </a:xfrm>
+        </p:spPr>
+        <p:txBody>
+          <a:bodyPr>
+            <a:normAutofit/>
+          </a:bodyPr>
           <a:lstStyle/>
           <a:p>
             <a:r>
@@ -3473,6 +4459,74 @@
       </p:sp>
       <p:sp>
         <p:nvSpPr>
+          <p:cNvPr id="14" name="Rectangle 13">
+            <a:extLst>
+              <a:ext uri="{FF2B5EF4-FFF2-40B4-BE49-F238E27FC236}">
+                <a16:creationId xmlns:a16="http://schemas.microsoft.com/office/drawing/2014/main" id="{463EEC44-1BA3-44ED-81FC-A644B04B2A44}"/>
+              </a:ext>
+              <a:ext uri="{C183D7F6-B498-43B3-948B-1728B52AA6E4}">
+                <adec:decorative xmlns:adec="http://schemas.microsoft.com/office/drawing/2017/decorative" val="1"/>
+              </a:ext>
+            </a:extLst>
+          </p:cNvPr>
+          <p:cNvSpPr>
+            <a:spLocks noGrp="1" noRot="1" noChangeAspect="1" noMove="1" noResize="1" noEditPoints="1" noAdjustHandles="1" noChangeArrowheads="1" noChangeShapeType="1" noTextEdit="1"/>
+          </p:cNvSpPr>
+          <p:nvPr>
+            <p:extLst>
+              <p:ext uri="{386F3935-93C4-4BCD-93E2-E3B085C9AB24}">
+                <p16:designElem xmlns:p16="http://schemas.microsoft.com/office/powerpoint/2015/main" val="1"/>
+              </p:ext>
+            </p:extLst>
+          </p:nvPr>
+        </p:nvSpPr>
+        <p:spPr>
+          <a:xfrm>
+            <a:off x="0" y="3102049"/>
+            <a:ext cx="128016" cy="653903"/>
+          </a:xfrm>
+          <a:prstGeom prst="rect">
+            <a:avLst/>
+          </a:prstGeom>
+          <a:solidFill>
+            <a:schemeClr val="accent2"/>
+          </a:solidFill>
+          <a:ln>
+            <a:noFill/>
+          </a:ln>
+        </p:spPr>
+        <p:style>
+          <a:lnRef idx="2">
+            <a:schemeClr val="accent1">
+              <a:shade val="50000"/>
+            </a:schemeClr>
+          </a:lnRef>
+          <a:fillRef idx="1">
+            <a:schemeClr val="accent1"/>
+          </a:fillRef>
+          <a:effectRef idx="0">
+            <a:schemeClr val="accent1"/>
+          </a:effectRef>
+          <a:fontRef idx="minor">
+            <a:schemeClr val="lt1"/>
+          </a:fontRef>
+        </p:style>
+        <p:txBody>
+          <a:bodyPr rtlCol="0" anchor="ctr"/>
+          <a:lstStyle/>
+          <a:p>
+            <a:pPr algn="ctr"/>
+            <a:endParaRPr lang="en-US">
+              <a:solidFill>
+                <a:prstClr val="white"/>
+              </a:solidFill>
+              <a:latin typeface="Calibri" panose="020F0502020204030204"/>
+            </a:endParaRPr>
+          </a:p>
+        </p:txBody>
+      </p:sp>
+      <p:sp>
+        <p:nvSpPr>
           <p:cNvPr id="3" name="Inhaltsplatzhalter 2">
             <a:extLst>
               <a:ext uri="{FF2B5EF4-FFF2-40B4-BE49-F238E27FC236}">
@@ -3487,22 +4541,64 @@
             <p:ph idx="1"/>
           </p:nvPr>
         </p:nvSpPr>
-        <p:spPr/>
-        <p:txBody>
-          <a:bodyPr/>
+        <p:spPr>
+          <a:xfrm>
+            <a:off x="5434149" y="932688"/>
+            <a:ext cx="5916603" cy="4992624"/>
+          </a:xfrm>
+        </p:spPr>
+        <p:txBody>
+          <a:bodyPr vert="horz" lIns="91440" tIns="45720" rIns="91440" bIns="45720" rtlCol="0" anchor="ctr">
+            <a:normAutofit/>
+          </a:bodyPr>
           <a:lstStyle/>
           <a:p>
             <a:r>
               <a:rPr lang="de-DE" dirty="0"/>
               <a:t>Definition</a:t>
             </a:r>
+            <a:endParaRPr lang="de-DE" dirty="0">
+              <a:cs typeface="Calibri"/>
+            </a:endParaRPr>
           </a:p>
           <a:p>
             <a:r>
               <a:rPr lang="de-DE" dirty="0"/>
               <a:t>Grafische Verfahren</a:t>
             </a:r>
-            <a:endParaRPr lang="de-AT" dirty="0"/>
+            <a:endParaRPr lang="de-DE" dirty="0">
+              <a:cs typeface="Calibri"/>
+            </a:endParaRPr>
+          </a:p>
+          <a:p>
+            <a:r>
+              <a:rPr lang="de-DE" dirty="0">
+                <a:cs typeface="Calibri"/>
+              </a:rPr>
+              <a:t>Berechnen von Integralen</a:t>
+            </a:r>
+          </a:p>
+          <a:p>
+            <a:r>
+              <a:rPr lang="de-DE" dirty="0" err="1">
+                <a:cs typeface="Calibri"/>
+              </a:rPr>
+              <a:t>Interpolarische</a:t>
+            </a:r>
+            <a:r>
+              <a:rPr lang="de-DE" dirty="0">
+                <a:cs typeface="Calibri"/>
+              </a:rPr>
+              <a:t> Quadraturformel</a:t>
+            </a:r>
+          </a:p>
+          <a:p>
+            <a:r>
+              <a:rPr lang="de-DE" dirty="0">
+                <a:cs typeface="Calibri"/>
+              </a:rPr>
+              <a:t>Weitere Quadraturformeln</a:t>
+            </a:r>
           </a:p>
         </p:txBody>
       </p:sp>
@@ -3522,6 +4618,14 @@
 <file path=ppt/slides/slide3.xml><?xml version="1.0" encoding="utf-8"?>
 <p:sld xmlns:a="http://schemas.openxmlformats.org/drawingml/2006/main" xmlns:r="http://schemas.openxmlformats.org/officeDocument/2006/relationships" xmlns:p="http://schemas.openxmlformats.org/presentationml/2006/main">
   <p:cSld>
+    <p:bg>
+      <p:bgPr>
+        <a:solidFill>
+          <a:schemeClr val="bg1"/>
+        </a:solidFill>
+        <a:effectLst/>
+      </p:bgPr>
+    </p:bg>
     <p:spTree>
       <p:nvGrpSpPr>
         <p:cNvPr id="1" name=""/>
@@ -3536,6 +4640,401 @@
           <a:chExt cx="0" cy="0"/>
         </a:xfrm>
       </p:grpSpPr>
+      <p:sp useBgFill="1">
+        <p:nvSpPr>
+          <p:cNvPr id="15" name="Rectangle 15">
+            <a:extLst>
+              <a:ext uri="{FF2B5EF4-FFF2-40B4-BE49-F238E27FC236}">
+                <a16:creationId xmlns:a16="http://schemas.microsoft.com/office/drawing/2014/main" id="{8F7AFB9A-7364-478C-B48B-8523CDD9AE8D}"/>
+              </a:ext>
+              <a:ext uri="{C183D7F6-B498-43B3-948B-1728B52AA6E4}">
+                <adec:decorative xmlns:adec="http://schemas.microsoft.com/office/drawing/2017/decorative" val="1"/>
+              </a:ext>
+            </a:extLst>
+          </p:cNvPr>
+          <p:cNvSpPr>
+            <a:spLocks noGrp="1" noRot="1" noChangeAspect="1" noMove="1" noResize="1" noEditPoints="1" noAdjustHandles="1" noChangeArrowheads="1" noChangeShapeType="1" noTextEdit="1"/>
+          </p:cNvSpPr>
+          <p:nvPr>
+            <p:extLst>
+              <p:ext uri="{386F3935-93C4-4BCD-93E2-E3B085C9AB24}">
+                <p16:designElem xmlns:p16="http://schemas.microsoft.com/office/powerpoint/2015/main" val="1"/>
+              </p:ext>
+            </p:extLst>
+          </p:nvPr>
+        </p:nvSpPr>
+        <p:spPr>
+          <a:xfrm>
+            <a:off x="0" y="0"/>
+            <a:ext cx="12192000" cy="6858000"/>
+          </a:xfrm>
+          <a:prstGeom prst="rect">
+            <a:avLst/>
+          </a:prstGeom>
+          <a:ln>
+            <a:noFill/>
+          </a:ln>
+        </p:spPr>
+        <p:style>
+          <a:lnRef idx="2">
+            <a:schemeClr val="accent1">
+              <a:shade val="50000"/>
+            </a:schemeClr>
+          </a:lnRef>
+          <a:fillRef idx="1">
+            <a:schemeClr val="accent1"/>
+          </a:fillRef>
+          <a:effectRef idx="0">
+            <a:schemeClr val="accent1"/>
+          </a:effectRef>
+          <a:fontRef idx="minor">
+            <a:schemeClr val="lt1"/>
+          </a:fontRef>
+        </p:style>
+        <p:txBody>
+          <a:bodyPr rtlCol="0" anchor="ctr"/>
+          <a:lstStyle/>
+          <a:p>
+            <a:pPr algn="ctr"/>
+            <a:endParaRPr lang="en-US"/>
+          </a:p>
+        </p:txBody>
+      </p:sp>
+      <p:sp useBgFill="1">
+        <p:nvSpPr>
+          <p:cNvPr id="17" name="Freeform: Shape 17">
+            <a:extLst>
+              <a:ext uri="{FF2B5EF4-FFF2-40B4-BE49-F238E27FC236}">
+                <a16:creationId xmlns:a16="http://schemas.microsoft.com/office/drawing/2014/main" id="{36678033-86B6-40E6-BE90-78D8ED4E3A31}"/>
+              </a:ext>
+              <a:ext uri="{C183D7F6-B498-43B3-948B-1728B52AA6E4}">
+                <adec:decorative xmlns:adec="http://schemas.microsoft.com/office/drawing/2017/decorative" val="1"/>
+              </a:ext>
+            </a:extLst>
+          </p:cNvPr>
+          <p:cNvSpPr>
+            <a:spLocks noGrp="1" noRot="1" noChangeAspect="1" noMove="1" noResize="1" noEditPoints="1" noAdjustHandles="1" noChangeArrowheads="1" noChangeShapeType="1" noTextEdit="1"/>
+          </p:cNvSpPr>
+          <p:nvPr>
+            <p:extLst>
+              <p:ext uri="{386F3935-93C4-4BCD-93E2-E3B085C9AB24}">
+                <p16:designElem xmlns:p16="http://schemas.microsoft.com/office/powerpoint/2015/main" val="1"/>
+              </p:ext>
+            </p:extLst>
+          </p:nvPr>
+        </p:nvSpPr>
+        <p:spPr>
+          <a:xfrm>
+            <a:off x="-1" y="0"/>
+            <a:ext cx="6096002" cy="6858000"/>
+          </a:xfrm>
+          <a:custGeom>
+            <a:avLst/>
+            <a:gdLst>
+              <a:gd name="connsiteX0" fmla="*/ 0 w 6096002"/>
+              <a:gd name="connsiteY0" fmla="*/ 0 h 6858000"/>
+              <a:gd name="connsiteX1" fmla="*/ 4885967 w 6096002"/>
+              <a:gd name="connsiteY1" fmla="*/ 0 h 6858000"/>
+              <a:gd name="connsiteX2" fmla="*/ 4946007 w 6096002"/>
+              <a:gd name="connsiteY2" fmla="*/ 69271 h 6858000"/>
+              <a:gd name="connsiteX3" fmla="*/ 6096002 w 6096002"/>
+              <a:gd name="connsiteY3" fmla="*/ 3429000 h 6858000"/>
+              <a:gd name="connsiteX4" fmla="*/ 4946007 w 6096002"/>
+              <a:gd name="connsiteY4" fmla="*/ 6788730 h 6858000"/>
+              <a:gd name="connsiteX5" fmla="*/ 4885967 w 6096002"/>
+              <a:gd name="connsiteY5" fmla="*/ 6858000 h 6858000"/>
+              <a:gd name="connsiteX6" fmla="*/ 0 w 6096002"/>
+              <a:gd name="connsiteY6" fmla="*/ 6858000 h 6858000"/>
+            </a:gdLst>
+            <a:ahLst/>
+            <a:cxnLst>
+              <a:cxn ang="0">
+                <a:pos x="connsiteX0" y="connsiteY0"/>
+              </a:cxn>
+              <a:cxn ang="0">
+                <a:pos x="connsiteX1" y="connsiteY1"/>
+              </a:cxn>
+              <a:cxn ang="0">
+                <a:pos x="connsiteX2" y="connsiteY2"/>
+              </a:cxn>
+              <a:cxn ang="0">
+                <a:pos x="connsiteX3" y="connsiteY3"/>
+              </a:cxn>
+              <a:cxn ang="0">
+                <a:pos x="connsiteX4" y="connsiteY4"/>
+              </a:cxn>
+              <a:cxn ang="0">
+                <a:pos x="connsiteX5" y="connsiteY5"/>
+              </a:cxn>
+              <a:cxn ang="0">
+                <a:pos x="connsiteX6" y="connsiteY6"/>
+              </a:cxn>
+            </a:cxnLst>
+            <a:rect l="l" t="t" r="r" b="b"/>
+            <a:pathLst>
+              <a:path w="6096002" h="6858000">
+                <a:moveTo>
+                  <a:pt x="0" y="0"/>
+                </a:moveTo>
+                <a:lnTo>
+                  <a:pt x="4885967" y="0"/>
+                </a:lnTo>
+                <a:lnTo>
+                  <a:pt x="4946007" y="69271"/>
+                </a:lnTo>
+                <a:cubicBezTo>
+                  <a:pt x="5656533" y="929100"/>
+                  <a:pt x="6096002" y="2116944"/>
+                  <a:pt x="6096002" y="3429000"/>
+                </a:cubicBezTo>
+                <a:cubicBezTo>
+                  <a:pt x="6096002" y="4741056"/>
+                  <a:pt x="5656533" y="5928900"/>
+                  <a:pt x="4946007" y="6788730"/>
+                </a:cubicBezTo>
+                <a:lnTo>
+                  <a:pt x="4885967" y="6858000"/>
+                </a:lnTo>
+                <a:lnTo>
+                  <a:pt x="0" y="6858000"/>
+                </a:lnTo>
+                <a:close/>
+              </a:path>
+            </a:pathLst>
+          </a:custGeom>
+          <a:ln w="9525">
+            <a:solidFill>
+              <a:srgbClr val="EFEFEF"/>
+            </a:solidFill>
+          </a:ln>
+          <a:effectLst>
+            <a:outerShdw blurRad="88900" dist="38100" algn="l" rotWithShape="0">
+              <a:schemeClr val="bg1">
+                <a:lumMod val="85000"/>
+                <a:alpha val="50000"/>
+              </a:schemeClr>
+            </a:outerShdw>
+          </a:effectLst>
+        </p:spPr>
+        <p:style>
+          <a:lnRef idx="2">
+            <a:schemeClr val="accent1">
+              <a:shade val="50000"/>
+            </a:schemeClr>
+          </a:lnRef>
+          <a:fillRef idx="1">
+            <a:schemeClr val="accent1"/>
+          </a:fillRef>
+          <a:effectRef idx="0">
+            <a:schemeClr val="accent1"/>
+          </a:effectRef>
+          <a:fontRef idx="minor">
+            <a:schemeClr val="lt1"/>
+          </a:fontRef>
+        </p:style>
+        <p:txBody>
+          <a:bodyPr wrap="square" rtlCol="0" anchor="ctr">
+            <a:noAutofit/>
+          </a:bodyPr>
+          <a:lstStyle/>
+          <a:p>
+            <a:pPr marL="0" marR="0" lvl="0" indent="0" algn="ctr" defTabSz="914400" rtl="0" eaLnBrk="1" fontAlgn="auto" latinLnBrk="0" hangingPunct="1">
+              <a:lnSpc>
+                <a:spcPct val="100000"/>
+              </a:lnSpc>
+              <a:spcBef>
+                <a:spcPts val="0"/>
+              </a:spcBef>
+              <a:spcAft>
+                <a:spcPts val="0"/>
+              </a:spcAft>
+              <a:buClrTx/>
+              <a:buSzTx/>
+              <a:buFontTx/>
+              <a:buNone/>
+              <a:tabLst/>
+              <a:defRPr/>
+            </a:pPr>
+            <a:endParaRPr kumimoji="0" lang="en-US" sz="1800" b="0" i="0" u="none" strike="noStrike" kern="1200" cap="none" spc="0" normalizeH="0" baseline="0" noProof="0">
+              <a:ln>
+                <a:noFill/>
+              </a:ln>
+              <a:solidFill>
+                <a:prstClr val="white"/>
+              </a:solidFill>
+              <a:effectLst/>
+              <a:uLnTx/>
+              <a:uFillTx/>
+              <a:latin typeface="Calibri" panose="020F0502020204030204"/>
+              <a:ea typeface="+mn-ea"/>
+              <a:cs typeface="+mn-cs"/>
+            </a:endParaRPr>
+          </a:p>
+        </p:txBody>
+      </p:sp>
+      <p:sp useBgFill="1">
+        <p:nvSpPr>
+          <p:cNvPr id="19" name="Freeform: Shape 19">
+            <a:extLst>
+              <a:ext uri="{FF2B5EF4-FFF2-40B4-BE49-F238E27FC236}">
+                <a16:creationId xmlns:a16="http://schemas.microsoft.com/office/drawing/2014/main" id="{D2542E1A-076E-4A34-BB67-2BF961754E0C}"/>
+              </a:ext>
+              <a:ext uri="{C183D7F6-B498-43B3-948B-1728B52AA6E4}">
+                <adec:decorative xmlns:adec="http://schemas.microsoft.com/office/drawing/2017/decorative" val="1"/>
+              </a:ext>
+            </a:extLst>
+          </p:cNvPr>
+          <p:cNvSpPr>
+            <a:spLocks noGrp="1" noRot="1" noChangeAspect="1" noMove="1" noResize="1" noEditPoints="1" noAdjustHandles="1" noChangeArrowheads="1" noChangeShapeType="1" noTextEdit="1"/>
+          </p:cNvSpPr>
+          <p:nvPr>
+            <p:extLst>
+              <p:ext uri="{386F3935-93C4-4BCD-93E2-E3B085C9AB24}">
+                <p16:designElem xmlns:p16="http://schemas.microsoft.com/office/powerpoint/2015/main" val="1"/>
+              </p:ext>
+            </p:extLst>
+          </p:nvPr>
+        </p:nvSpPr>
+        <p:spPr>
+          <a:xfrm>
+            <a:off x="0" y="0"/>
+            <a:ext cx="6085370" cy="6858000"/>
+          </a:xfrm>
+          <a:custGeom>
+            <a:avLst/>
+            <a:gdLst>
+              <a:gd name="connsiteX0" fmla="*/ 0 w 6085370"/>
+              <a:gd name="connsiteY0" fmla="*/ 0 h 6858000"/>
+              <a:gd name="connsiteX1" fmla="*/ 4875335 w 6085370"/>
+              <a:gd name="connsiteY1" fmla="*/ 0 h 6858000"/>
+              <a:gd name="connsiteX2" fmla="*/ 4935375 w 6085370"/>
+              <a:gd name="connsiteY2" fmla="*/ 69271 h 6858000"/>
+              <a:gd name="connsiteX3" fmla="*/ 6085370 w 6085370"/>
+              <a:gd name="connsiteY3" fmla="*/ 3429000 h 6858000"/>
+              <a:gd name="connsiteX4" fmla="*/ 4935375 w 6085370"/>
+              <a:gd name="connsiteY4" fmla="*/ 6788730 h 6858000"/>
+              <a:gd name="connsiteX5" fmla="*/ 4875335 w 6085370"/>
+              <a:gd name="connsiteY5" fmla="*/ 6858000 h 6858000"/>
+              <a:gd name="connsiteX6" fmla="*/ 0 w 6085370"/>
+              <a:gd name="connsiteY6" fmla="*/ 6858000 h 6858000"/>
+            </a:gdLst>
+            <a:ahLst/>
+            <a:cxnLst>
+              <a:cxn ang="0">
+                <a:pos x="connsiteX0" y="connsiteY0"/>
+              </a:cxn>
+              <a:cxn ang="0">
+                <a:pos x="connsiteX1" y="connsiteY1"/>
+              </a:cxn>
+              <a:cxn ang="0">
+                <a:pos x="connsiteX2" y="connsiteY2"/>
+              </a:cxn>
+              <a:cxn ang="0">
+                <a:pos x="connsiteX3" y="connsiteY3"/>
+              </a:cxn>
+              <a:cxn ang="0">
+                <a:pos x="connsiteX4" y="connsiteY4"/>
+              </a:cxn>
+              <a:cxn ang="0">
+                <a:pos x="connsiteX5" y="connsiteY5"/>
+              </a:cxn>
+              <a:cxn ang="0">
+                <a:pos x="connsiteX6" y="connsiteY6"/>
+              </a:cxn>
+            </a:cxnLst>
+            <a:rect l="l" t="t" r="r" b="b"/>
+            <a:pathLst>
+              <a:path w="6085370" h="6858000">
+                <a:moveTo>
+                  <a:pt x="0" y="0"/>
+                </a:moveTo>
+                <a:lnTo>
+                  <a:pt x="4875335" y="0"/>
+                </a:lnTo>
+                <a:lnTo>
+                  <a:pt x="4935375" y="69271"/>
+                </a:lnTo>
+                <a:cubicBezTo>
+                  <a:pt x="5645901" y="929100"/>
+                  <a:pt x="6085370" y="2116944"/>
+                  <a:pt x="6085370" y="3429000"/>
+                </a:cubicBezTo>
+                <a:cubicBezTo>
+                  <a:pt x="6085370" y="4741056"/>
+                  <a:pt x="5645901" y="5928900"/>
+                  <a:pt x="4935375" y="6788730"/>
+                </a:cubicBezTo>
+                <a:lnTo>
+                  <a:pt x="4875335" y="6858000"/>
+                </a:lnTo>
+                <a:lnTo>
+                  <a:pt x="0" y="6858000"/>
+                </a:lnTo>
+                <a:close/>
+              </a:path>
+            </a:pathLst>
+          </a:custGeom>
+          <a:ln w="9525">
+            <a:noFill/>
+          </a:ln>
+          <a:effectLst/>
+        </p:spPr>
+        <p:style>
+          <a:lnRef idx="2">
+            <a:schemeClr val="accent1">
+              <a:shade val="50000"/>
+            </a:schemeClr>
+          </a:lnRef>
+          <a:fillRef idx="1">
+            <a:schemeClr val="accent1"/>
+          </a:fillRef>
+          <a:effectRef idx="0">
+            <a:schemeClr val="accent1"/>
+          </a:effectRef>
+          <a:fontRef idx="minor">
+            <a:schemeClr val="lt1"/>
+          </a:fontRef>
+        </p:style>
+        <p:txBody>
+          <a:bodyPr wrap="square" rtlCol="0" anchor="ctr">
+            <a:noAutofit/>
+          </a:bodyPr>
+          <a:lstStyle/>
+          <a:p>
+            <a:pPr marL="0" marR="0" lvl="0" indent="0" algn="ctr" defTabSz="914400" rtl="0" eaLnBrk="1" fontAlgn="auto" latinLnBrk="0" hangingPunct="1">
+              <a:lnSpc>
+                <a:spcPct val="100000"/>
+              </a:lnSpc>
+              <a:spcBef>
+                <a:spcPts val="0"/>
+              </a:spcBef>
+              <a:spcAft>
+                <a:spcPts val="0"/>
+              </a:spcAft>
+              <a:buClrTx/>
+              <a:buSzTx/>
+              <a:buFontTx/>
+              <a:buNone/>
+              <a:tabLst/>
+              <a:defRPr/>
+            </a:pPr>
+            <a:endParaRPr kumimoji="0" lang="en-US" sz="1800" b="0" i="0" u="none" strike="noStrike" kern="1200" cap="none" spc="0" normalizeH="0" baseline="0" noProof="0">
+              <a:ln>
+                <a:noFill/>
+              </a:ln>
+              <a:solidFill>
+                <a:prstClr val="white"/>
+              </a:solidFill>
+              <a:effectLst/>
+              <a:uLnTx/>
+              <a:uFillTx/>
+              <a:latin typeface="Calibri" panose="020F0502020204030204"/>
+              <a:ea typeface="+mn-ea"/>
+              <a:cs typeface="+mn-cs"/>
+            </a:endParaRPr>
+          </a:p>
+        </p:txBody>
+      </p:sp>
       <p:sp>
         <p:nvSpPr>
           <p:cNvPr id="2" name="Titel 1">
@@ -3552,16 +5051,186 @@
             <p:ph type="title"/>
           </p:nvPr>
         </p:nvSpPr>
-        <p:spPr/>
-        <p:txBody>
-          <a:bodyPr/>
+        <p:spPr>
+          <a:xfrm>
+            <a:off x="438913" y="859536"/>
+            <a:ext cx="4832802" cy="1243584"/>
+          </a:xfrm>
+        </p:spPr>
+        <p:txBody>
+          <a:bodyPr>
+            <a:normAutofit/>
+          </a:bodyPr>
           <a:lstStyle/>
           <a:p>
             <a:r>
               <a:rPr lang="de-DE" dirty="0"/>
               <a:t>Definition</a:t>
             </a:r>
-            <a:endParaRPr lang="de-AT" dirty="0"/>
+            <a:endParaRPr lang="de-AT" sz="4800">
+              <a:cs typeface="Calibri Light" panose="020F0302020204030204"/>
+            </a:endParaRPr>
+          </a:p>
+        </p:txBody>
+      </p:sp>
+      <p:sp>
+        <p:nvSpPr>
+          <p:cNvPr id="21" name="Rectangle 21">
+            <a:extLst>
+              <a:ext uri="{FF2B5EF4-FFF2-40B4-BE49-F238E27FC236}">
+                <a16:creationId xmlns:a16="http://schemas.microsoft.com/office/drawing/2014/main" id="{75C56826-D4E5-42ED-8529-079651CB3005}"/>
+              </a:ext>
+              <a:ext uri="{C183D7F6-B498-43B3-948B-1728B52AA6E4}">
+                <adec:decorative xmlns:adec="http://schemas.microsoft.com/office/drawing/2017/decorative" val="1"/>
+              </a:ext>
+            </a:extLst>
+          </p:cNvPr>
+          <p:cNvSpPr>
+            <a:spLocks noGrp="1" noRot="1" noChangeAspect="1" noMove="1" noResize="1" noEditPoints="1" noAdjustHandles="1" noChangeArrowheads="1" noChangeShapeType="1" noTextEdit="1"/>
+          </p:cNvSpPr>
+          <p:nvPr>
+            <p:extLst>
+              <p:ext uri="{386F3935-93C4-4BCD-93E2-E3B085C9AB24}">
+                <p16:designElem xmlns:p16="http://schemas.microsoft.com/office/powerpoint/2015/main" val="1"/>
+              </p:ext>
+            </p:extLst>
+          </p:nvPr>
+        </p:nvSpPr>
+        <p:spPr>
+          <a:xfrm>
+            <a:off x="0" y="1152144"/>
+            <a:ext cx="128016" cy="653903"/>
+          </a:xfrm>
+          <a:prstGeom prst="rect">
+            <a:avLst/>
+          </a:prstGeom>
+          <a:solidFill>
+            <a:schemeClr val="accent2"/>
+          </a:solidFill>
+          <a:ln>
+            <a:noFill/>
+          </a:ln>
+        </p:spPr>
+        <p:style>
+          <a:lnRef idx="2">
+            <a:schemeClr val="accent1">
+              <a:shade val="50000"/>
+            </a:schemeClr>
+          </a:lnRef>
+          <a:fillRef idx="1">
+            <a:schemeClr val="accent1"/>
+          </a:fillRef>
+          <a:effectRef idx="0">
+            <a:schemeClr val="accent1"/>
+          </a:effectRef>
+          <a:fontRef idx="minor">
+            <a:schemeClr val="lt1"/>
+          </a:fontRef>
+        </p:style>
+        <p:txBody>
+          <a:bodyPr rtlCol="0" anchor="ctr"/>
+          <a:lstStyle/>
+          <a:p>
+            <a:pPr algn="ctr"/>
+            <a:endParaRPr lang="en-US">
+              <a:solidFill>
+                <a:prstClr val="white"/>
+              </a:solidFill>
+              <a:latin typeface="Calibri" panose="020F0502020204030204"/>
+            </a:endParaRPr>
+          </a:p>
+        </p:txBody>
+      </p:sp>
+      <p:sp>
+        <p:nvSpPr>
+          <p:cNvPr id="23" name="Rectangle 23">
+            <a:extLst>
+              <a:ext uri="{FF2B5EF4-FFF2-40B4-BE49-F238E27FC236}">
+                <a16:creationId xmlns:a16="http://schemas.microsoft.com/office/drawing/2014/main" id="{82095FCE-EF05-4443-B97A-85DEE3A5CA17}"/>
+              </a:ext>
+              <a:ext uri="{C183D7F6-B498-43B3-948B-1728B52AA6E4}">
+                <adec:decorative xmlns:adec="http://schemas.microsoft.com/office/drawing/2017/decorative" val="1"/>
+              </a:ext>
+            </a:extLst>
+          </p:cNvPr>
+          <p:cNvSpPr>
+            <a:spLocks noGrp="1" noRot="1" noChangeAspect="1" noMove="1" noResize="1" noEditPoints="1" noAdjustHandles="1" noChangeArrowheads="1" noChangeShapeType="1" noTextEdit="1"/>
+          </p:cNvSpPr>
+          <p:nvPr>
+            <p:extLst>
+              <p:ext uri="{386F3935-93C4-4BCD-93E2-E3B085C9AB24}">
+                <p16:designElem xmlns:p16="http://schemas.microsoft.com/office/powerpoint/2015/main" val="1"/>
+              </p:ext>
+            </p:extLst>
+          </p:nvPr>
+        </p:nvSpPr>
+        <p:spPr>
+          <a:xfrm>
+            <a:off x="438912" y="2185062"/>
+            <a:ext cx="4983480" cy="18288"/>
+          </a:xfrm>
+          <a:prstGeom prst="rect">
+            <a:avLst/>
+          </a:prstGeom>
+          <a:solidFill>
+            <a:srgbClr val="D5D5D5"/>
+          </a:solidFill>
+          <a:ln w="3175">
+            <a:noFill/>
+          </a:ln>
+          <a:effectLst/>
+        </p:spPr>
+        <p:style>
+          <a:lnRef idx="2">
+            <a:schemeClr val="accent1">
+              <a:shade val="50000"/>
+            </a:schemeClr>
+          </a:lnRef>
+          <a:fillRef idx="1">
+            <a:schemeClr val="accent1"/>
+          </a:fillRef>
+          <a:effectRef idx="0">
+            <a:schemeClr val="accent1"/>
+          </a:effectRef>
+          <a:fontRef idx="minor">
+            <a:schemeClr val="lt1"/>
+          </a:fontRef>
+        </p:style>
+        <p:txBody>
+          <a:bodyPr rtlCol="0" anchor="ctr"/>
+          <a:lstStyle/>
+          <a:p>
+            <a:pPr marL="0" marR="0" lvl="0" indent="0" algn="ctr" defTabSz="914400" rtl="0" eaLnBrk="1" fontAlgn="auto" latinLnBrk="0" hangingPunct="1">
+              <a:lnSpc>
+                <a:spcPct val="100000"/>
+              </a:lnSpc>
+              <a:spcBef>
+                <a:spcPts val="0"/>
+              </a:spcBef>
+              <a:spcAft>
+                <a:spcPts val="0"/>
+              </a:spcAft>
+              <a:buClrTx/>
+              <a:buSzTx/>
+              <a:buFontTx/>
+              <a:buNone/>
+              <a:tabLst/>
+              <a:defRPr/>
+            </a:pPr>
+            <a:endParaRPr kumimoji="0" lang="en-US" sz="1800" b="0" i="0" u="none" strike="noStrike" kern="1200" cap="none" spc="0" normalizeH="0" baseline="0" noProof="0">
+              <a:ln>
+                <a:noFill/>
+              </a:ln>
+              <a:solidFill>
+                <a:prstClr val="white"/>
+              </a:solidFill>
+              <a:effectLst/>
+              <a:uLnTx/>
+              <a:uFillTx/>
+              <a:latin typeface="Calibri" panose="020F0502020204030204"/>
+              <a:ea typeface="+mn-ea"/>
+              <a:cs typeface="+mn-cs"/>
+            </a:endParaRPr>
           </a:p>
         </p:txBody>
       </p:sp>
@@ -3581,15 +5250,25 @@
             <p:ph idx="1"/>
           </p:nvPr>
         </p:nvSpPr>
-        <p:spPr/>
-        <p:txBody>
-          <a:bodyPr/>
+        <p:spPr>
+          <a:xfrm>
+            <a:off x="438912" y="2512611"/>
+            <a:ext cx="4832803" cy="3664351"/>
+          </a:xfrm>
+        </p:spPr>
+        <p:txBody>
+          <a:bodyPr vert="horz" lIns="91440" tIns="45720" rIns="91440" bIns="45720" rtlCol="0" anchor="t">
+            <a:normAutofit/>
+          </a:bodyPr>
           <a:lstStyle/>
           <a:p>
             <a:r>
               <a:rPr lang="de-DE" dirty="0"/>
               <a:t>Dient zur Berechnung von Integralen</a:t>
             </a:r>
+            <a:endParaRPr lang="de-DE" dirty="0">
+              <a:cs typeface="Calibri"/>
+            </a:endParaRPr>
           </a:p>
           <a:p>
             <a:r>
@@ -3603,21 +5282,28 @@
               <a:rPr lang="de-DE" dirty="0"/>
               <a:t>elementare Funktionen nicht ausdrücken lässt</a:t>
             </a:r>
-          </a:p>
-          <a:p>
-            <a:endParaRPr lang="de-DE" dirty="0"/>
-          </a:p>
-          <a:p>
-            <a:endParaRPr lang="de-AT" dirty="0"/>
+            <a:endParaRPr lang="de-DE" dirty="0">
+              <a:cs typeface="Calibri"/>
+            </a:endParaRPr>
+          </a:p>
+          <a:p>
+            <a:endParaRPr lang="de-DE" dirty="0">
+              <a:cs typeface="Calibri"/>
+            </a:endParaRPr>
+          </a:p>
+          <a:p>
+            <a:endParaRPr lang="de-AT" dirty="0">
+              <a:cs typeface="Calibri"/>
+            </a:endParaRPr>
           </a:p>
         </p:txBody>
       </p:sp>
       <p:pic>
         <p:nvPicPr>
-          <p:cNvPr id="8" name="Grafik 7">
-            <a:extLst>
-              <a:ext uri="{FF2B5EF4-FFF2-40B4-BE49-F238E27FC236}">
-                <a16:creationId xmlns:a16="http://schemas.microsoft.com/office/drawing/2014/main" id="{2DAEA19E-5E09-611A-CF0F-BDA0BFDBEA43}"/>
+          <p:cNvPr id="11" name="Grafik 10">
+            <a:extLst>
+              <a:ext uri="{FF2B5EF4-FFF2-40B4-BE49-F238E27FC236}">
+                <a16:creationId xmlns:a16="http://schemas.microsoft.com/office/drawing/2014/main" id="{E1BB093D-8D96-F7A4-4A7B-938FC7AA47CD}"/>
               </a:ext>
             </a:extLst>
           </p:cNvPr>
@@ -3643,8 +5329,8 @@
         </p:blipFill>
         <p:spPr>
           <a:xfrm>
-            <a:off x="1112344" y="3965427"/>
-            <a:ext cx="2518623" cy="594458"/>
+            <a:off x="7353359" y="517600"/>
+            <a:ext cx="3663736" cy="2743200"/>
           </a:xfrm>
           <a:prstGeom prst="rect">
             <a:avLst/>
@@ -3653,10 +5339,10 @@
       </p:pic>
       <p:pic>
         <p:nvPicPr>
-          <p:cNvPr id="11" name="Grafik 10">
-            <a:extLst>
-              <a:ext uri="{FF2B5EF4-FFF2-40B4-BE49-F238E27FC236}">
-                <a16:creationId xmlns:a16="http://schemas.microsoft.com/office/drawing/2014/main" id="{E1BB093D-8D96-F7A4-4A7B-938FC7AA47CD}"/>
+          <p:cNvPr id="8" name="Grafik 7">
+            <a:extLst>
+              <a:ext uri="{FF2B5EF4-FFF2-40B4-BE49-F238E27FC236}">
+                <a16:creationId xmlns:a16="http://schemas.microsoft.com/office/drawing/2014/main" id="{2DAEA19E-5E09-611A-CF0F-BDA0BFDBEA43}"/>
               </a:ext>
             </a:extLst>
           </p:cNvPr>
@@ -3682,8 +5368,8 @@
         </p:blipFill>
         <p:spPr>
           <a:xfrm>
-            <a:off x="5683096" y="3429000"/>
-            <a:ext cx="3790950" cy="2838450"/>
+            <a:off x="6617368" y="4194521"/>
+            <a:ext cx="5135719" cy="1212157"/>
           </a:xfrm>
           <a:prstGeom prst="rect">
             <a:avLst/>
@@ -3875,7 +5561,7 @@
               <a:lstStyle/>
               <a:p>
                 <a:r>
-                  <a:rPr lang="de-AT">
+                  <a:rPr lang="de-DE">
                     <a:noFill/>
                   </a:rPr>
                   <a:t> </a:t>
@@ -3948,6 +5634,14 @@
 <file path=ppt/slides/slide5.xml><?xml version="1.0" encoding="utf-8"?>
 <p:sld xmlns:a="http://schemas.openxmlformats.org/drawingml/2006/main" xmlns:r="http://schemas.openxmlformats.org/officeDocument/2006/relationships" xmlns:p="http://schemas.openxmlformats.org/presentationml/2006/main">
   <p:cSld>
+    <p:bg>
+      <p:bgPr>
+        <a:solidFill>
+          <a:schemeClr val="bg1"/>
+        </a:solidFill>
+        <a:effectLst/>
+      </p:bgPr>
+    </p:bg>
     <p:spTree>
       <p:nvGrpSpPr>
         <p:cNvPr id="1" name=""/>
@@ -3962,6 +5656,401 @@
           <a:chExt cx="0" cy="0"/>
         </a:xfrm>
       </p:grpSpPr>
+      <p:sp useBgFill="1">
+        <p:nvSpPr>
+          <p:cNvPr id="19" name="Rectangle 11">
+            <a:extLst>
+              <a:ext uri="{FF2B5EF4-FFF2-40B4-BE49-F238E27FC236}">
+                <a16:creationId xmlns:a16="http://schemas.microsoft.com/office/drawing/2014/main" id="{8F7AFB9A-7364-478C-B48B-8523CDD9AE8D}"/>
+              </a:ext>
+              <a:ext uri="{C183D7F6-B498-43B3-948B-1728B52AA6E4}">
+                <adec:decorative xmlns:adec="http://schemas.microsoft.com/office/drawing/2017/decorative" val="1"/>
+              </a:ext>
+            </a:extLst>
+          </p:cNvPr>
+          <p:cNvSpPr>
+            <a:spLocks noGrp="1" noRot="1" noChangeAspect="1" noMove="1" noResize="1" noEditPoints="1" noAdjustHandles="1" noChangeArrowheads="1" noChangeShapeType="1" noTextEdit="1"/>
+          </p:cNvSpPr>
+          <p:nvPr>
+            <p:extLst>
+              <p:ext uri="{386F3935-93C4-4BCD-93E2-E3B085C9AB24}">
+                <p16:designElem xmlns:p16="http://schemas.microsoft.com/office/powerpoint/2015/main" val="1"/>
+              </p:ext>
+            </p:extLst>
+          </p:nvPr>
+        </p:nvSpPr>
+        <p:spPr>
+          <a:xfrm>
+            <a:off x="0" y="0"/>
+            <a:ext cx="12192000" cy="6858000"/>
+          </a:xfrm>
+          <a:prstGeom prst="rect">
+            <a:avLst/>
+          </a:prstGeom>
+          <a:ln>
+            <a:noFill/>
+          </a:ln>
+        </p:spPr>
+        <p:style>
+          <a:lnRef idx="2">
+            <a:schemeClr val="accent1">
+              <a:shade val="50000"/>
+            </a:schemeClr>
+          </a:lnRef>
+          <a:fillRef idx="1">
+            <a:schemeClr val="accent1"/>
+          </a:fillRef>
+          <a:effectRef idx="0">
+            <a:schemeClr val="accent1"/>
+          </a:effectRef>
+          <a:fontRef idx="minor">
+            <a:schemeClr val="lt1"/>
+          </a:fontRef>
+        </p:style>
+        <p:txBody>
+          <a:bodyPr rtlCol="0" anchor="ctr"/>
+          <a:lstStyle/>
+          <a:p>
+            <a:pPr algn="ctr"/>
+            <a:endParaRPr lang="en-US"/>
+          </a:p>
+        </p:txBody>
+      </p:sp>
+      <p:sp useBgFill="1">
+        <p:nvSpPr>
+          <p:cNvPr id="21" name="Freeform: Shape 13">
+            <a:extLst>
+              <a:ext uri="{FF2B5EF4-FFF2-40B4-BE49-F238E27FC236}">
+                <a16:creationId xmlns:a16="http://schemas.microsoft.com/office/drawing/2014/main" id="{36678033-86B6-40E6-BE90-78D8ED4E3A31}"/>
+              </a:ext>
+              <a:ext uri="{C183D7F6-B498-43B3-948B-1728B52AA6E4}">
+                <adec:decorative xmlns:adec="http://schemas.microsoft.com/office/drawing/2017/decorative" val="1"/>
+              </a:ext>
+            </a:extLst>
+          </p:cNvPr>
+          <p:cNvSpPr>
+            <a:spLocks noGrp="1" noRot="1" noChangeAspect="1" noMove="1" noResize="1" noEditPoints="1" noAdjustHandles="1" noChangeArrowheads="1" noChangeShapeType="1" noTextEdit="1"/>
+          </p:cNvSpPr>
+          <p:nvPr>
+            <p:extLst>
+              <p:ext uri="{386F3935-93C4-4BCD-93E2-E3B085C9AB24}">
+                <p16:designElem xmlns:p16="http://schemas.microsoft.com/office/powerpoint/2015/main" val="1"/>
+              </p:ext>
+            </p:extLst>
+          </p:nvPr>
+        </p:nvSpPr>
+        <p:spPr>
+          <a:xfrm>
+            <a:off x="-1" y="0"/>
+            <a:ext cx="6096002" cy="6858000"/>
+          </a:xfrm>
+          <a:custGeom>
+            <a:avLst/>
+            <a:gdLst>
+              <a:gd name="connsiteX0" fmla="*/ 0 w 6096002"/>
+              <a:gd name="connsiteY0" fmla="*/ 0 h 6858000"/>
+              <a:gd name="connsiteX1" fmla="*/ 4885967 w 6096002"/>
+              <a:gd name="connsiteY1" fmla="*/ 0 h 6858000"/>
+              <a:gd name="connsiteX2" fmla="*/ 4946007 w 6096002"/>
+              <a:gd name="connsiteY2" fmla="*/ 69271 h 6858000"/>
+              <a:gd name="connsiteX3" fmla="*/ 6096002 w 6096002"/>
+              <a:gd name="connsiteY3" fmla="*/ 3429000 h 6858000"/>
+              <a:gd name="connsiteX4" fmla="*/ 4946007 w 6096002"/>
+              <a:gd name="connsiteY4" fmla="*/ 6788730 h 6858000"/>
+              <a:gd name="connsiteX5" fmla="*/ 4885967 w 6096002"/>
+              <a:gd name="connsiteY5" fmla="*/ 6858000 h 6858000"/>
+              <a:gd name="connsiteX6" fmla="*/ 0 w 6096002"/>
+              <a:gd name="connsiteY6" fmla="*/ 6858000 h 6858000"/>
+            </a:gdLst>
+            <a:ahLst/>
+            <a:cxnLst>
+              <a:cxn ang="0">
+                <a:pos x="connsiteX0" y="connsiteY0"/>
+              </a:cxn>
+              <a:cxn ang="0">
+                <a:pos x="connsiteX1" y="connsiteY1"/>
+              </a:cxn>
+              <a:cxn ang="0">
+                <a:pos x="connsiteX2" y="connsiteY2"/>
+              </a:cxn>
+              <a:cxn ang="0">
+                <a:pos x="connsiteX3" y="connsiteY3"/>
+              </a:cxn>
+              <a:cxn ang="0">
+                <a:pos x="connsiteX4" y="connsiteY4"/>
+              </a:cxn>
+              <a:cxn ang="0">
+                <a:pos x="connsiteX5" y="connsiteY5"/>
+              </a:cxn>
+              <a:cxn ang="0">
+                <a:pos x="connsiteX6" y="connsiteY6"/>
+              </a:cxn>
+            </a:cxnLst>
+            <a:rect l="l" t="t" r="r" b="b"/>
+            <a:pathLst>
+              <a:path w="6096002" h="6858000">
+                <a:moveTo>
+                  <a:pt x="0" y="0"/>
+                </a:moveTo>
+                <a:lnTo>
+                  <a:pt x="4885967" y="0"/>
+                </a:lnTo>
+                <a:lnTo>
+                  <a:pt x="4946007" y="69271"/>
+                </a:lnTo>
+                <a:cubicBezTo>
+                  <a:pt x="5656533" y="929100"/>
+                  <a:pt x="6096002" y="2116944"/>
+                  <a:pt x="6096002" y="3429000"/>
+                </a:cubicBezTo>
+                <a:cubicBezTo>
+                  <a:pt x="6096002" y="4741056"/>
+                  <a:pt x="5656533" y="5928900"/>
+                  <a:pt x="4946007" y="6788730"/>
+                </a:cubicBezTo>
+                <a:lnTo>
+                  <a:pt x="4885967" y="6858000"/>
+                </a:lnTo>
+                <a:lnTo>
+                  <a:pt x="0" y="6858000"/>
+                </a:lnTo>
+                <a:close/>
+              </a:path>
+            </a:pathLst>
+          </a:custGeom>
+          <a:ln w="9525">
+            <a:solidFill>
+              <a:srgbClr val="EFEFEF"/>
+            </a:solidFill>
+          </a:ln>
+          <a:effectLst>
+            <a:outerShdw blurRad="88900" dist="38100" algn="l" rotWithShape="0">
+              <a:schemeClr val="bg1">
+                <a:lumMod val="85000"/>
+                <a:alpha val="50000"/>
+              </a:schemeClr>
+            </a:outerShdw>
+          </a:effectLst>
+        </p:spPr>
+        <p:style>
+          <a:lnRef idx="2">
+            <a:schemeClr val="accent1">
+              <a:shade val="50000"/>
+            </a:schemeClr>
+          </a:lnRef>
+          <a:fillRef idx="1">
+            <a:schemeClr val="accent1"/>
+          </a:fillRef>
+          <a:effectRef idx="0">
+            <a:schemeClr val="accent1"/>
+          </a:effectRef>
+          <a:fontRef idx="minor">
+            <a:schemeClr val="lt1"/>
+          </a:fontRef>
+        </p:style>
+        <p:txBody>
+          <a:bodyPr wrap="square" rtlCol="0" anchor="ctr">
+            <a:noAutofit/>
+          </a:bodyPr>
+          <a:lstStyle/>
+          <a:p>
+            <a:pPr marL="0" marR="0" lvl="0" indent="0" algn="ctr" defTabSz="914400" rtl="0" eaLnBrk="1" fontAlgn="auto" latinLnBrk="0" hangingPunct="1">
+              <a:lnSpc>
+                <a:spcPct val="100000"/>
+              </a:lnSpc>
+              <a:spcBef>
+                <a:spcPts val="0"/>
+              </a:spcBef>
+              <a:spcAft>
+                <a:spcPts val="0"/>
+              </a:spcAft>
+              <a:buClrTx/>
+              <a:buSzTx/>
+              <a:buFontTx/>
+              <a:buNone/>
+              <a:tabLst/>
+              <a:defRPr/>
+            </a:pPr>
+            <a:endParaRPr kumimoji="0" lang="en-US" sz="1800" b="0" i="0" u="none" strike="noStrike" kern="1200" cap="none" spc="0" normalizeH="0" baseline="0" noProof="0">
+              <a:ln>
+                <a:noFill/>
+              </a:ln>
+              <a:solidFill>
+                <a:prstClr val="white"/>
+              </a:solidFill>
+              <a:effectLst/>
+              <a:uLnTx/>
+              <a:uFillTx/>
+              <a:latin typeface="Calibri" panose="020F0502020204030204"/>
+              <a:ea typeface="+mn-ea"/>
+              <a:cs typeface="+mn-cs"/>
+            </a:endParaRPr>
+          </a:p>
+        </p:txBody>
+      </p:sp>
+      <p:sp useBgFill="1">
+        <p:nvSpPr>
+          <p:cNvPr id="22" name="Freeform: Shape 15">
+            <a:extLst>
+              <a:ext uri="{FF2B5EF4-FFF2-40B4-BE49-F238E27FC236}">
+                <a16:creationId xmlns:a16="http://schemas.microsoft.com/office/drawing/2014/main" id="{D2542E1A-076E-4A34-BB67-2BF961754E0C}"/>
+              </a:ext>
+              <a:ext uri="{C183D7F6-B498-43B3-948B-1728B52AA6E4}">
+                <adec:decorative xmlns:adec="http://schemas.microsoft.com/office/drawing/2017/decorative" val="1"/>
+              </a:ext>
+            </a:extLst>
+          </p:cNvPr>
+          <p:cNvSpPr>
+            <a:spLocks noGrp="1" noRot="1" noChangeAspect="1" noMove="1" noResize="1" noEditPoints="1" noAdjustHandles="1" noChangeArrowheads="1" noChangeShapeType="1" noTextEdit="1"/>
+          </p:cNvSpPr>
+          <p:nvPr>
+            <p:extLst>
+              <p:ext uri="{386F3935-93C4-4BCD-93E2-E3B085C9AB24}">
+                <p16:designElem xmlns:p16="http://schemas.microsoft.com/office/powerpoint/2015/main" val="1"/>
+              </p:ext>
+            </p:extLst>
+          </p:nvPr>
+        </p:nvSpPr>
+        <p:spPr>
+          <a:xfrm>
+            <a:off x="0" y="0"/>
+            <a:ext cx="6085370" cy="6858000"/>
+          </a:xfrm>
+          <a:custGeom>
+            <a:avLst/>
+            <a:gdLst>
+              <a:gd name="connsiteX0" fmla="*/ 0 w 6085370"/>
+              <a:gd name="connsiteY0" fmla="*/ 0 h 6858000"/>
+              <a:gd name="connsiteX1" fmla="*/ 4875335 w 6085370"/>
+              <a:gd name="connsiteY1" fmla="*/ 0 h 6858000"/>
+              <a:gd name="connsiteX2" fmla="*/ 4935375 w 6085370"/>
+              <a:gd name="connsiteY2" fmla="*/ 69271 h 6858000"/>
+              <a:gd name="connsiteX3" fmla="*/ 6085370 w 6085370"/>
+              <a:gd name="connsiteY3" fmla="*/ 3429000 h 6858000"/>
+              <a:gd name="connsiteX4" fmla="*/ 4935375 w 6085370"/>
+              <a:gd name="connsiteY4" fmla="*/ 6788730 h 6858000"/>
+              <a:gd name="connsiteX5" fmla="*/ 4875335 w 6085370"/>
+              <a:gd name="connsiteY5" fmla="*/ 6858000 h 6858000"/>
+              <a:gd name="connsiteX6" fmla="*/ 0 w 6085370"/>
+              <a:gd name="connsiteY6" fmla="*/ 6858000 h 6858000"/>
+            </a:gdLst>
+            <a:ahLst/>
+            <a:cxnLst>
+              <a:cxn ang="0">
+                <a:pos x="connsiteX0" y="connsiteY0"/>
+              </a:cxn>
+              <a:cxn ang="0">
+                <a:pos x="connsiteX1" y="connsiteY1"/>
+              </a:cxn>
+              <a:cxn ang="0">
+                <a:pos x="connsiteX2" y="connsiteY2"/>
+              </a:cxn>
+              <a:cxn ang="0">
+                <a:pos x="connsiteX3" y="connsiteY3"/>
+              </a:cxn>
+              <a:cxn ang="0">
+                <a:pos x="connsiteX4" y="connsiteY4"/>
+              </a:cxn>
+              <a:cxn ang="0">
+                <a:pos x="connsiteX5" y="connsiteY5"/>
+              </a:cxn>
+              <a:cxn ang="0">
+                <a:pos x="connsiteX6" y="connsiteY6"/>
+              </a:cxn>
+            </a:cxnLst>
+            <a:rect l="l" t="t" r="r" b="b"/>
+            <a:pathLst>
+              <a:path w="6085370" h="6858000">
+                <a:moveTo>
+                  <a:pt x="0" y="0"/>
+                </a:moveTo>
+                <a:lnTo>
+                  <a:pt x="4875335" y="0"/>
+                </a:lnTo>
+                <a:lnTo>
+                  <a:pt x="4935375" y="69271"/>
+                </a:lnTo>
+                <a:cubicBezTo>
+                  <a:pt x="5645901" y="929100"/>
+                  <a:pt x="6085370" y="2116944"/>
+                  <a:pt x="6085370" y="3429000"/>
+                </a:cubicBezTo>
+                <a:cubicBezTo>
+                  <a:pt x="6085370" y="4741056"/>
+                  <a:pt x="5645901" y="5928900"/>
+                  <a:pt x="4935375" y="6788730"/>
+                </a:cubicBezTo>
+                <a:lnTo>
+                  <a:pt x="4875335" y="6858000"/>
+                </a:lnTo>
+                <a:lnTo>
+                  <a:pt x="0" y="6858000"/>
+                </a:lnTo>
+                <a:close/>
+              </a:path>
+            </a:pathLst>
+          </a:custGeom>
+          <a:ln w="9525">
+            <a:noFill/>
+          </a:ln>
+          <a:effectLst/>
+        </p:spPr>
+        <p:style>
+          <a:lnRef idx="2">
+            <a:schemeClr val="accent1">
+              <a:shade val="50000"/>
+            </a:schemeClr>
+          </a:lnRef>
+          <a:fillRef idx="1">
+            <a:schemeClr val="accent1"/>
+          </a:fillRef>
+          <a:effectRef idx="0">
+            <a:schemeClr val="accent1"/>
+          </a:effectRef>
+          <a:fontRef idx="minor">
+            <a:schemeClr val="lt1"/>
+          </a:fontRef>
+        </p:style>
+        <p:txBody>
+          <a:bodyPr wrap="square" rtlCol="0" anchor="ctr">
+            <a:noAutofit/>
+          </a:bodyPr>
+          <a:lstStyle/>
+          <a:p>
+            <a:pPr marL="0" marR="0" lvl="0" indent="0" algn="ctr" defTabSz="914400" rtl="0" eaLnBrk="1" fontAlgn="auto" latinLnBrk="0" hangingPunct="1">
+              <a:lnSpc>
+                <a:spcPct val="100000"/>
+              </a:lnSpc>
+              <a:spcBef>
+                <a:spcPts val="0"/>
+              </a:spcBef>
+              <a:spcAft>
+                <a:spcPts val="0"/>
+              </a:spcAft>
+              <a:buClrTx/>
+              <a:buSzTx/>
+              <a:buFontTx/>
+              <a:buNone/>
+              <a:tabLst/>
+              <a:defRPr/>
+            </a:pPr>
+            <a:endParaRPr kumimoji="0" lang="en-US" sz="1800" b="0" i="0" u="none" strike="noStrike" kern="1200" cap="none" spc="0" normalizeH="0" baseline="0" noProof="0">
+              <a:ln>
+                <a:noFill/>
+              </a:ln>
+              <a:solidFill>
+                <a:prstClr val="white"/>
+              </a:solidFill>
+              <a:effectLst/>
+              <a:uLnTx/>
+              <a:uFillTx/>
+              <a:latin typeface="Calibri" panose="020F0502020204030204"/>
+              <a:ea typeface="+mn-ea"/>
+              <a:cs typeface="+mn-cs"/>
+            </a:endParaRPr>
+          </a:p>
+        </p:txBody>
+      </p:sp>
       <p:sp>
         <p:nvSpPr>
           <p:cNvPr id="2" name="Titel 1">
@@ -3978,16 +6067,186 @@
             <p:ph type="title"/>
           </p:nvPr>
         </p:nvSpPr>
-        <p:spPr/>
-        <p:txBody>
-          <a:bodyPr/>
+        <p:spPr>
+          <a:xfrm>
+            <a:off x="438913" y="859536"/>
+            <a:ext cx="4832802" cy="1243584"/>
+          </a:xfrm>
+        </p:spPr>
+        <p:txBody>
+          <a:bodyPr>
+            <a:normAutofit/>
+          </a:bodyPr>
           <a:lstStyle/>
           <a:p>
             <a:r>
               <a:rPr lang="de-DE" dirty="0"/>
               <a:t>Berechnen</a:t>
             </a:r>
-            <a:endParaRPr lang="de-AT" dirty="0"/>
+            <a:endParaRPr lang="de-AT" sz="4000" dirty="0">
+              <a:cs typeface="Calibri Light" panose="020F0302020204030204"/>
+            </a:endParaRPr>
+          </a:p>
+        </p:txBody>
+      </p:sp>
+      <p:sp>
+        <p:nvSpPr>
+          <p:cNvPr id="18" name="Rectangle 17">
+            <a:extLst>
+              <a:ext uri="{FF2B5EF4-FFF2-40B4-BE49-F238E27FC236}">
+                <a16:creationId xmlns:a16="http://schemas.microsoft.com/office/drawing/2014/main" id="{75C56826-D4E5-42ED-8529-079651CB3005}"/>
+              </a:ext>
+              <a:ext uri="{C183D7F6-B498-43B3-948B-1728B52AA6E4}">
+                <adec:decorative xmlns:adec="http://schemas.microsoft.com/office/drawing/2017/decorative" val="1"/>
+              </a:ext>
+            </a:extLst>
+          </p:cNvPr>
+          <p:cNvSpPr>
+            <a:spLocks noGrp="1" noRot="1" noChangeAspect="1" noMove="1" noResize="1" noEditPoints="1" noAdjustHandles="1" noChangeArrowheads="1" noChangeShapeType="1" noTextEdit="1"/>
+          </p:cNvSpPr>
+          <p:nvPr>
+            <p:extLst>
+              <p:ext uri="{386F3935-93C4-4BCD-93E2-E3B085C9AB24}">
+                <p16:designElem xmlns:p16="http://schemas.microsoft.com/office/powerpoint/2015/main" val="1"/>
+              </p:ext>
+            </p:extLst>
+          </p:nvPr>
+        </p:nvSpPr>
+        <p:spPr>
+          <a:xfrm>
+            <a:off x="0" y="1152144"/>
+            <a:ext cx="128016" cy="653903"/>
+          </a:xfrm>
+          <a:prstGeom prst="rect">
+            <a:avLst/>
+          </a:prstGeom>
+          <a:solidFill>
+            <a:schemeClr val="accent2"/>
+          </a:solidFill>
+          <a:ln>
+            <a:noFill/>
+          </a:ln>
+        </p:spPr>
+        <p:style>
+          <a:lnRef idx="2">
+            <a:schemeClr val="accent1">
+              <a:shade val="50000"/>
+            </a:schemeClr>
+          </a:lnRef>
+          <a:fillRef idx="1">
+            <a:schemeClr val="accent1"/>
+          </a:fillRef>
+          <a:effectRef idx="0">
+            <a:schemeClr val="accent1"/>
+          </a:effectRef>
+          <a:fontRef idx="minor">
+            <a:schemeClr val="lt1"/>
+          </a:fontRef>
+        </p:style>
+        <p:txBody>
+          <a:bodyPr rtlCol="0" anchor="ctr"/>
+          <a:lstStyle/>
+          <a:p>
+            <a:pPr algn="ctr"/>
+            <a:endParaRPr lang="en-US">
+              <a:solidFill>
+                <a:prstClr val="white"/>
+              </a:solidFill>
+              <a:latin typeface="Calibri" panose="020F0502020204030204"/>
+            </a:endParaRPr>
+          </a:p>
+        </p:txBody>
+      </p:sp>
+      <p:sp>
+        <p:nvSpPr>
+          <p:cNvPr id="20" name="Rectangle 19">
+            <a:extLst>
+              <a:ext uri="{FF2B5EF4-FFF2-40B4-BE49-F238E27FC236}">
+                <a16:creationId xmlns:a16="http://schemas.microsoft.com/office/drawing/2014/main" id="{82095FCE-EF05-4443-B97A-85DEE3A5CA17}"/>
+              </a:ext>
+              <a:ext uri="{C183D7F6-B498-43B3-948B-1728B52AA6E4}">
+                <adec:decorative xmlns:adec="http://schemas.microsoft.com/office/drawing/2017/decorative" val="1"/>
+              </a:ext>
+            </a:extLst>
+          </p:cNvPr>
+          <p:cNvSpPr>
+            <a:spLocks noGrp="1" noRot="1" noChangeAspect="1" noMove="1" noResize="1" noEditPoints="1" noAdjustHandles="1" noChangeArrowheads="1" noChangeShapeType="1" noTextEdit="1"/>
+          </p:cNvSpPr>
+          <p:nvPr>
+            <p:extLst>
+              <p:ext uri="{386F3935-93C4-4BCD-93E2-E3B085C9AB24}">
+                <p16:designElem xmlns:p16="http://schemas.microsoft.com/office/powerpoint/2015/main" val="1"/>
+              </p:ext>
+            </p:extLst>
+          </p:nvPr>
+        </p:nvSpPr>
+        <p:spPr>
+          <a:xfrm>
+            <a:off x="438912" y="2185062"/>
+            <a:ext cx="4983480" cy="18288"/>
+          </a:xfrm>
+          <a:prstGeom prst="rect">
+            <a:avLst/>
+          </a:prstGeom>
+          <a:solidFill>
+            <a:srgbClr val="D5D5D5"/>
+          </a:solidFill>
+          <a:ln w="3175">
+            <a:noFill/>
+          </a:ln>
+          <a:effectLst/>
+        </p:spPr>
+        <p:style>
+          <a:lnRef idx="2">
+            <a:schemeClr val="accent1">
+              <a:shade val="50000"/>
+            </a:schemeClr>
+          </a:lnRef>
+          <a:fillRef idx="1">
+            <a:schemeClr val="accent1"/>
+          </a:fillRef>
+          <a:effectRef idx="0">
+            <a:schemeClr val="accent1"/>
+          </a:effectRef>
+          <a:fontRef idx="minor">
+            <a:schemeClr val="lt1"/>
+          </a:fontRef>
+        </p:style>
+        <p:txBody>
+          <a:bodyPr rtlCol="0" anchor="ctr"/>
+          <a:lstStyle/>
+          <a:p>
+            <a:pPr marL="0" marR="0" lvl="0" indent="0" algn="ctr" defTabSz="914400" rtl="0" eaLnBrk="1" fontAlgn="auto" latinLnBrk="0" hangingPunct="1">
+              <a:lnSpc>
+                <a:spcPct val="100000"/>
+              </a:lnSpc>
+              <a:spcBef>
+                <a:spcPts val="0"/>
+              </a:spcBef>
+              <a:spcAft>
+                <a:spcPts val="0"/>
+              </a:spcAft>
+              <a:buClrTx/>
+              <a:buSzTx/>
+              <a:buFontTx/>
+              <a:buNone/>
+              <a:tabLst/>
+              <a:defRPr/>
+            </a:pPr>
+            <a:endParaRPr kumimoji="0" lang="en-US" sz="1800" b="0" i="0" u="none" strike="noStrike" kern="1200" cap="none" spc="0" normalizeH="0" baseline="0" noProof="0">
+              <a:ln>
+                <a:noFill/>
+              </a:ln>
+              <a:solidFill>
+                <a:prstClr val="white"/>
+              </a:solidFill>
+              <a:effectLst/>
+              <a:uLnTx/>
+              <a:uFillTx/>
+              <a:latin typeface="Calibri" panose="020F0502020204030204"/>
+              <a:ea typeface="+mn-ea"/>
+              <a:cs typeface="+mn-cs"/>
+            </a:endParaRPr>
           </a:p>
         </p:txBody>
       </p:sp>
@@ -4007,27 +6266,37 @@
             <p:ph idx="1"/>
           </p:nvPr>
         </p:nvSpPr>
-        <p:spPr/>
-        <p:txBody>
-          <a:bodyPr/>
+        <p:spPr>
+          <a:xfrm>
+            <a:off x="438912" y="2512611"/>
+            <a:ext cx="4832803" cy="3664351"/>
+          </a:xfrm>
+        </p:spPr>
+        <p:txBody>
+          <a:bodyPr vert="horz" lIns="91440" tIns="45720" rIns="91440" bIns="45720" rtlCol="0" anchor="t">
+            <a:normAutofit/>
+          </a:bodyPr>
           <a:lstStyle/>
           <a:p>
             <a:r>
               <a:rPr lang="de-DE" dirty="0"/>
               <a:t>Mit der Quadraturformel</a:t>
             </a:r>
-          </a:p>
-          <a:p>
-            <a:endParaRPr lang="de-AT" dirty="0"/>
+            <a:endParaRPr lang="de-DE">
+              <a:cs typeface="Calibri"/>
+            </a:endParaRPr>
+          </a:p>
+          <a:p>
+            <a:endParaRPr lang="de-AT" sz="1800"/>
           </a:p>
         </p:txBody>
       </p:sp>
       <p:pic>
         <p:nvPicPr>
-          <p:cNvPr id="5" name="Grafik 4">
-            <a:extLst>
-              <a:ext uri="{FF2B5EF4-FFF2-40B4-BE49-F238E27FC236}">
-                <a16:creationId xmlns:a16="http://schemas.microsoft.com/office/drawing/2014/main" id="{5914708F-D163-5352-69A8-7C75064A4DB7}"/>
+          <p:cNvPr id="7" name="Grafik 6">
+            <a:extLst>
+              <a:ext uri="{FF2B5EF4-FFF2-40B4-BE49-F238E27FC236}">
+                <a16:creationId xmlns:a16="http://schemas.microsoft.com/office/drawing/2014/main" id="{0D436819-32CA-0C16-726E-F0307987F88D}"/>
               </a:ext>
             </a:extLst>
           </p:cNvPr>
@@ -4042,9 +6311,6 @@
               <a:ext uri="{28A0092B-C50C-407E-A947-70E740481C1C}">
                 <a14:useLocalDpi xmlns:a14="http://schemas.microsoft.com/office/drawing/2010/main" val="0"/>
               </a:ext>
-              <a:ext uri="{96DAC541-7B7A-43D3-8B79-37D633B846F1}">
-                <asvg:svgBlip xmlns:asvg="http://schemas.microsoft.com/office/drawing/2016/SVG/main" r:embed="rId3"/>
-              </a:ext>
             </a:extLst>
           </a:blip>
           <a:stretch>
@@ -4053,8 +6319,8 @@
         </p:blipFill>
         <p:spPr>
           <a:xfrm>
-            <a:off x="838200" y="3429000"/>
-            <a:ext cx="4149790" cy="945230"/>
+            <a:off x="7299867" y="517600"/>
+            <a:ext cx="3770721" cy="2743200"/>
           </a:xfrm>
           <a:prstGeom prst="rect">
             <a:avLst/>
@@ -4063,10 +6329,10 @@
       </p:pic>
       <p:pic>
         <p:nvPicPr>
-          <p:cNvPr id="7" name="Grafik 6">
-            <a:extLst>
-              <a:ext uri="{FF2B5EF4-FFF2-40B4-BE49-F238E27FC236}">
-                <a16:creationId xmlns:a16="http://schemas.microsoft.com/office/drawing/2014/main" id="{0D436819-32CA-0C16-726E-F0307987F88D}"/>
+          <p:cNvPr id="5" name="Grafik 4">
+            <a:extLst>
+              <a:ext uri="{FF2B5EF4-FFF2-40B4-BE49-F238E27FC236}">
+                <a16:creationId xmlns:a16="http://schemas.microsoft.com/office/drawing/2014/main" id="{5914708F-D163-5352-69A8-7C75064A4DB7}"/>
               </a:ext>
             </a:extLst>
           </p:cNvPr>
@@ -4076,10 +6342,13 @@
           <p:nvPr/>
         </p:nvPicPr>
         <p:blipFill>
-          <a:blip r:embed="rId4">
+          <a:blip r:embed="rId3">
             <a:extLst>
               <a:ext uri="{28A0092B-C50C-407E-A947-70E740481C1C}">
                 <a14:useLocalDpi xmlns:a14="http://schemas.microsoft.com/office/drawing/2010/main" val="0"/>
+              </a:ext>
+              <a:ext uri="{96DAC541-7B7A-43D3-8B79-37D633B846F1}">
+                <asvg:svgBlip xmlns:asvg="http://schemas.microsoft.com/office/drawing/2016/SVG/main" r:embed="rId4"/>
               </a:ext>
             </a:extLst>
           </a:blip>
@@ -4089,8 +6358,8 @@
         </p:blipFill>
         <p:spPr>
           <a:xfrm>
-            <a:off x="6190206" y="1551146"/>
-            <a:ext cx="5163594" cy="3755708"/>
+            <a:off x="6617368" y="4215699"/>
+            <a:ext cx="5135719" cy="1169802"/>
           </a:xfrm>
           <a:prstGeom prst="rect">
             <a:avLst/>
@@ -4113,6 +6382,14 @@
 <file path=ppt/slides/slide6.xml><?xml version="1.0" encoding="utf-8"?>
 <p:sld xmlns:a="http://schemas.openxmlformats.org/drawingml/2006/main" xmlns:r="http://schemas.openxmlformats.org/officeDocument/2006/relationships" xmlns:p="http://schemas.openxmlformats.org/presentationml/2006/main">
   <p:cSld>
+    <p:bg>
+      <p:bgPr>
+        <a:solidFill>
+          <a:schemeClr val="bg1"/>
+        </a:solidFill>
+        <a:effectLst/>
+      </p:bgPr>
+    </p:bg>
     <p:spTree>
       <p:nvGrpSpPr>
         <p:cNvPr id="1" name=""/>
@@ -4129,6 +6406,69 @@
       </p:grpSpPr>
       <p:sp>
         <p:nvSpPr>
+          <p:cNvPr id="11" name="Rectangle 11">
+            <a:extLst>
+              <a:ext uri="{FF2B5EF4-FFF2-40B4-BE49-F238E27FC236}">
+                <a16:creationId xmlns:a16="http://schemas.microsoft.com/office/drawing/2014/main" id="{2B566528-1B12-4246-9431-5C2D7D081168}"/>
+              </a:ext>
+              <a:ext uri="{C183D7F6-B498-43B3-948B-1728B52AA6E4}">
+                <adec:decorative xmlns:adec="http://schemas.microsoft.com/office/drawing/2017/decorative" val="1"/>
+              </a:ext>
+            </a:extLst>
+          </p:cNvPr>
+          <p:cNvSpPr>
+            <a:spLocks noGrp="1" noRot="1" noChangeAspect="1" noMove="1" noResize="1" noEditPoints="1" noAdjustHandles="1" noChangeArrowheads="1" noChangeShapeType="1" noTextEdit="1"/>
+          </p:cNvSpPr>
+          <p:nvPr>
+            <p:extLst>
+              <p:ext uri="{386F3935-93C4-4BCD-93E2-E3B085C9AB24}">
+                <p16:designElem xmlns:p16="http://schemas.microsoft.com/office/powerpoint/2015/main" val="1"/>
+              </p:ext>
+            </p:extLst>
+          </p:nvPr>
+        </p:nvSpPr>
+        <p:spPr>
+          <a:xfrm>
+            <a:off x="0" y="0"/>
+            <a:ext cx="12192000" cy="6858000"/>
+          </a:xfrm>
+          <a:prstGeom prst="rect">
+            <a:avLst/>
+          </a:prstGeom>
+          <a:solidFill>
+            <a:schemeClr val="bg1"/>
+          </a:solidFill>
+          <a:ln>
+            <a:noFill/>
+          </a:ln>
+        </p:spPr>
+        <p:style>
+          <a:lnRef idx="2">
+            <a:schemeClr val="accent1">
+              <a:shade val="50000"/>
+            </a:schemeClr>
+          </a:lnRef>
+          <a:fillRef idx="1">
+            <a:schemeClr val="accent1"/>
+          </a:fillRef>
+          <a:effectRef idx="0">
+            <a:schemeClr val="accent1"/>
+          </a:effectRef>
+          <a:fontRef idx="minor">
+            <a:schemeClr val="lt1"/>
+          </a:fontRef>
+        </p:style>
+        <p:txBody>
+          <a:bodyPr rtlCol="0" anchor="ctr"/>
+          <a:lstStyle/>
+          <a:p>
+            <a:pPr algn="ctr"/>
+            <a:endParaRPr lang="en-US" dirty="0"/>
+          </a:p>
+        </p:txBody>
+      </p:sp>
+      <p:sp>
+        <p:nvSpPr>
           <p:cNvPr id="2" name="Titel 1">
             <a:extLst>
               <a:ext uri="{FF2B5EF4-FFF2-40B4-BE49-F238E27FC236}">
@@ -4143,20 +6483,27 @@
             <p:ph type="title"/>
           </p:nvPr>
         </p:nvSpPr>
-        <p:spPr/>
-        <p:txBody>
-          <a:bodyPr/>
-          <a:lstStyle/>
-          <a:p>
-            <a:r>
-              <a:rPr lang="de-DE" dirty="0" err="1"/>
+        <p:spPr>
+          <a:xfrm>
+            <a:off x="643467" y="321734"/>
+            <a:ext cx="10905066" cy="1135737"/>
+          </a:xfrm>
+        </p:spPr>
+        <p:txBody>
+          <a:bodyPr>
+            <a:normAutofit/>
+          </a:bodyPr>
+          <a:lstStyle/>
+          <a:p>
+            <a:r>
+              <a:rPr lang="de-DE" sz="3600" dirty="0" err="1"/>
               <a:t>Interpolarische</a:t>
             </a:r>
             <a:r>
-              <a:rPr lang="de-DE" dirty="0"/>
+              <a:rPr lang="de-DE" sz="3600" dirty="0"/>
               <a:t> Quadraturformel	</a:t>
             </a:r>
-            <a:endParaRPr lang="de-AT" dirty="0"/>
+            <a:endParaRPr lang="de-AT" sz="3600" dirty="0"/>
           </a:p>
         </p:txBody>
       </p:sp>
@@ -4180,12 +6527,14 @@
             </p:nvSpPr>
             <p:spPr>
               <a:xfrm>
-                <a:off x="829322" y="1825625"/>
-                <a:ext cx="10515600" cy="4351338"/>
+                <a:off x="833969" y="1859181"/>
+                <a:ext cx="6022986" cy="4393982"/>
               </a:xfrm>
             </p:spPr>
             <p:txBody>
-              <a:bodyPr/>
+              <a:bodyPr>
+                <a:noAutofit/>
+              </a:bodyPr>
               <a:lstStyle/>
               <a:p>
                 <a:r>
@@ -4208,14 +6557,14 @@
                     <m:sSub>
                       <m:sSubPr>
                         <m:ctrlPr>
-                          <a:rPr lang="de-DE" i="1" smtClean="0">
+                          <a:rPr lang="de-DE" i="1">
                             <a:latin typeface="Cambria Math" panose="02040503050406030204" pitchFamily="18" charset="0"/>
                           </a:rPr>
                         </m:ctrlPr>
                       </m:sSubPr>
                       <m:e>
                         <m:r>
-                          <a:rPr lang="de-DE" b="0" i="1" smtClean="0">
+                          <a:rPr lang="de-DE" b="0" i="1">
                             <a:latin typeface="Cambria Math" panose="02040503050406030204" pitchFamily="18" charset="0"/>
                           </a:rPr>
                           <m:t>𝑝</m:t>
@@ -4223,7 +6572,7 @@
                       </m:e>
                       <m:sub>
                         <m:r>
-                          <a:rPr lang="de-DE" b="0" i="1" smtClean="0">
+                          <a:rPr lang="de-DE" b="0" i="1">
                             <a:latin typeface="Cambria Math" panose="02040503050406030204" pitchFamily="18" charset="0"/>
                           </a:rPr>
                           <m:t>𝑛</m:t>
@@ -4304,13 +6653,13 @@
             </p:nvSpPr>
             <p:spPr>
               <a:xfrm>
-                <a:off x="829322" y="1825625"/>
-                <a:ext cx="10515600" cy="4351338"/>
+                <a:off x="833969" y="1859181"/>
+                <a:ext cx="6022986" cy="4393982"/>
               </a:xfrm>
               <a:blipFill>
                 <a:blip r:embed="rId2"/>
                 <a:stretch>
-                  <a:fillRect l="-1043" t="-2241"/>
+                  <a:fillRect l="-1822" t="-2358" r="-607" b="-2358"/>
                 </a:stretch>
               </a:blipFill>
             </p:spPr>
@@ -4329,12 +6678,172 @@
           </p:sp>
         </mc:Fallback>
       </mc:AlternateContent>
+      <p:grpSp>
+        <p:nvGrpSpPr>
+          <p:cNvPr id="13" name="Group 13">
+            <a:extLst>
+              <a:ext uri="{FF2B5EF4-FFF2-40B4-BE49-F238E27FC236}">
+                <a16:creationId xmlns:a16="http://schemas.microsoft.com/office/drawing/2014/main" id="{5995D10D-E9C9-47DB-AE7E-801FEF38F5C9}"/>
+              </a:ext>
+              <a:ext uri="{C183D7F6-B498-43B3-948B-1728B52AA6E4}">
+                <adec:decorative xmlns:adec="http://schemas.microsoft.com/office/drawing/2017/decorative" val="1"/>
+              </a:ext>
+            </a:extLst>
+          </p:cNvPr>
+          <p:cNvGrpSpPr>
+            <a:grpSpLocks noGrp="1" noUngrp="1" noRot="1" noChangeAspect="1" noMove="1" noResize="1"/>
+          </p:cNvGrpSpPr>
+          <p:nvPr>
+            <p:extLst>
+              <p:ext uri="{386F3935-93C4-4BCD-93E2-E3B085C9AB24}">
+                <p16:designElem xmlns:p16="http://schemas.microsoft.com/office/powerpoint/2015/main" val="1"/>
+              </p:ext>
+            </p:extLst>
+          </p:nvPr>
+        </p:nvGrpSpPr>
+        <p:grpSpPr>
+          <a:xfrm>
+            <a:off x="11219290" y="1"/>
+            <a:ext cx="972709" cy="1935307"/>
+            <a:chOff x="10918968" y="713127"/>
+            <a:chExt cx="1273032" cy="2532832"/>
+          </a:xfrm>
+        </p:grpSpPr>
+        <p:sp>
+          <p:nvSpPr>
+            <p:cNvPr id="15" name="Rectangle 14">
+              <a:extLst>
+                <a:ext uri="{FF2B5EF4-FFF2-40B4-BE49-F238E27FC236}">
+                  <a16:creationId xmlns:a16="http://schemas.microsoft.com/office/drawing/2014/main" id="{CC1A72C6-3DE4-4EC3-9AD5-9E0D40D8CE8A}"/>
+                </a:ext>
+                <a:ext uri="{C183D7F6-B498-43B3-948B-1728B52AA6E4}">
+                  <adec:decorative xmlns:adec="http://schemas.microsoft.com/office/drawing/2017/decorative" val="1"/>
+                </a:ext>
+              </a:extLst>
+            </p:cNvPr>
+            <p:cNvSpPr/>
+            <p:nvPr>
+              <p:extLst>
+                <p:ext uri="{386F3935-93C4-4BCD-93E2-E3B085C9AB24}">
+                  <p16:designElem xmlns:p16="http://schemas.microsoft.com/office/powerpoint/2015/main" val="1"/>
+                </p:ext>
+              </p:extLst>
+            </p:nvPr>
+          </p:nvSpPr>
+          <p:spPr>
+            <a:xfrm rot="2700000">
+              <a:off x="11052629" y="2120024"/>
+              <a:ext cx="645368" cy="645368"/>
+            </a:xfrm>
+            <a:prstGeom prst="rect">
+              <a:avLst/>
+            </a:prstGeom>
+            <a:solidFill>
+              <a:schemeClr val="accent4">
+                <a:alpha val="30000"/>
+              </a:schemeClr>
+            </a:solidFill>
+            <a:ln>
+              <a:noFill/>
+            </a:ln>
+          </p:spPr>
+          <p:style>
+            <a:lnRef idx="2">
+              <a:schemeClr val="accent1">
+                <a:shade val="50000"/>
+              </a:schemeClr>
+            </a:lnRef>
+            <a:fillRef idx="1">
+              <a:schemeClr val="accent1"/>
+            </a:fillRef>
+            <a:effectRef idx="0">
+              <a:schemeClr val="accent1"/>
+            </a:effectRef>
+            <a:fontRef idx="minor">
+              <a:schemeClr val="lt1"/>
+            </a:fontRef>
+          </p:style>
+          <p:txBody>
+            <a:bodyPr rtlCol="0" anchor="ctr"/>
+            <a:lstStyle/>
+            <a:p>
+              <a:pPr algn="ctr"/>
+              <a:endParaRPr lang="en-US"/>
+            </a:p>
+          </p:txBody>
+        </p:sp>
+        <p:sp>
+          <p:nvSpPr>
+            <p:cNvPr id="17" name="Isosceles Triangle 15">
+              <a:extLst>
+                <a:ext uri="{FF2B5EF4-FFF2-40B4-BE49-F238E27FC236}">
+                  <a16:creationId xmlns:a16="http://schemas.microsoft.com/office/drawing/2014/main" id="{0B0DA1F1-C391-4EDF-9FE0-23E86E137765}"/>
+                </a:ext>
+                <a:ext uri="{C183D7F6-B498-43B3-948B-1728B52AA6E4}">
+                  <adec:decorative xmlns:adec="http://schemas.microsoft.com/office/drawing/2017/decorative" val="1"/>
+                </a:ext>
+              </a:extLst>
+            </p:cNvPr>
+            <p:cNvSpPr/>
+            <p:nvPr>
+              <p:extLst>
+                <p:ext uri="{386F3935-93C4-4BCD-93E2-E3B085C9AB24}">
+                  <p16:designElem xmlns:p16="http://schemas.microsoft.com/office/powerpoint/2015/main" val="1"/>
+                </p:ext>
+              </p:extLst>
+            </p:nvPr>
+          </p:nvSpPr>
+          <p:spPr>
+            <a:xfrm rot="16200000">
+              <a:off x="10289068" y="1343027"/>
+              <a:ext cx="2532832" cy="1273032"/>
+            </a:xfrm>
+            <a:prstGeom prst="triangle">
+              <a:avLst>
+                <a:gd name="adj" fmla="val 50000"/>
+              </a:avLst>
+            </a:prstGeom>
+            <a:solidFill>
+              <a:schemeClr val="accent4">
+                <a:alpha val="30000"/>
+              </a:schemeClr>
+            </a:solidFill>
+            <a:ln>
+              <a:noFill/>
+            </a:ln>
+          </p:spPr>
+          <p:style>
+            <a:lnRef idx="2">
+              <a:schemeClr val="accent1">
+                <a:shade val="50000"/>
+              </a:schemeClr>
+            </a:lnRef>
+            <a:fillRef idx="1">
+              <a:schemeClr val="accent1"/>
+            </a:fillRef>
+            <a:effectRef idx="0">
+              <a:schemeClr val="accent1"/>
+            </a:effectRef>
+            <a:fontRef idx="minor">
+              <a:schemeClr val="lt1"/>
+            </a:fontRef>
+          </p:style>
+          <p:txBody>
+            <a:bodyPr rtlCol="0" anchor="ctr"/>
+            <a:lstStyle/>
+            <a:p>
+              <a:pPr algn="ctr"/>
+              <a:endParaRPr lang="en-US" dirty="0"/>
+            </a:p>
+          </p:txBody>
+        </p:sp>
+      </p:grpSp>
       <p:pic>
         <p:nvPicPr>
-          <p:cNvPr id="5" name="Grafik 4">
-            <a:extLst>
-              <a:ext uri="{FF2B5EF4-FFF2-40B4-BE49-F238E27FC236}">
-                <a16:creationId xmlns:a16="http://schemas.microsoft.com/office/drawing/2014/main" id="{44E5FD0C-3440-6DA8-D358-6E763DF644FD}"/>
+          <p:cNvPr id="7" name="Grafik 6">
+            <a:extLst>
+              <a:ext uri="{FF2B5EF4-FFF2-40B4-BE49-F238E27FC236}">
+                <a16:creationId xmlns:a16="http://schemas.microsoft.com/office/drawing/2014/main" id="{9AB39635-5BE6-77AB-9AA0-6A3EDE6B4DAE}"/>
               </a:ext>
             </a:extLst>
           </p:cNvPr>
@@ -4351,20 +6860,180 @@
         </p:blipFill>
         <p:spPr>
           <a:xfrm>
-            <a:off x="6946297" y="2381249"/>
-            <a:ext cx="4229690" cy="657317"/>
+            <a:off x="6850634" y="1856504"/>
+            <a:ext cx="4687458" cy="1478912"/>
           </a:xfrm>
           <a:prstGeom prst="rect">
             <a:avLst/>
           </a:prstGeom>
         </p:spPr>
       </p:pic>
+      <p:grpSp>
+        <p:nvGrpSpPr>
+          <p:cNvPr id="21" name="Group 17">
+            <a:extLst>
+              <a:ext uri="{FF2B5EF4-FFF2-40B4-BE49-F238E27FC236}">
+                <a16:creationId xmlns:a16="http://schemas.microsoft.com/office/drawing/2014/main" id="{828A5161-06F1-46CF-8AD7-844680A59E13}"/>
+              </a:ext>
+              <a:ext uri="{C183D7F6-B498-43B3-948B-1728B52AA6E4}">
+                <adec:decorative xmlns:adec="http://schemas.microsoft.com/office/drawing/2017/decorative" val="1"/>
+              </a:ext>
+            </a:extLst>
+          </p:cNvPr>
+          <p:cNvGrpSpPr>
+            <a:grpSpLocks noGrp="1" noUngrp="1" noRot="1" noChangeAspect="1" noMove="1" noResize="1"/>
+          </p:cNvGrpSpPr>
+          <p:nvPr>
+            <p:extLst>
+              <p:ext uri="{386F3935-93C4-4BCD-93E2-E3B085C9AB24}">
+                <p16:designElem xmlns:p16="http://schemas.microsoft.com/office/powerpoint/2015/main" val="1"/>
+              </p:ext>
+            </p:extLst>
+          </p:nvPr>
+        </p:nvGrpSpPr>
+        <p:grpSpPr>
+          <a:xfrm>
+            <a:off x="0" y="4601497"/>
+            <a:ext cx="1014060" cy="2017580"/>
+            <a:chOff x="0" y="4601497"/>
+            <a:chExt cx="1014060" cy="2017580"/>
+          </a:xfrm>
+        </p:grpSpPr>
+        <p:sp>
+          <p:nvSpPr>
+            <p:cNvPr id="19" name="Isosceles Triangle 18">
+              <a:extLst>
+                <a:ext uri="{FF2B5EF4-FFF2-40B4-BE49-F238E27FC236}">
+                  <a16:creationId xmlns:a16="http://schemas.microsoft.com/office/drawing/2014/main" id="{D3F51FEB-38FB-4F6C-9F7B-2F2AFAB65463}"/>
+                </a:ext>
+                <a:ext uri="{C183D7F6-B498-43B3-948B-1728B52AA6E4}">
+                  <adec:decorative xmlns:adec="http://schemas.microsoft.com/office/drawing/2017/decorative" val="1"/>
+                </a:ext>
+              </a:extLst>
+            </p:cNvPr>
+            <p:cNvSpPr/>
+            <p:nvPr>
+              <p:extLst>
+                <p:ext uri="{386F3935-93C4-4BCD-93E2-E3B085C9AB24}">
+                  <p16:designElem xmlns:p16="http://schemas.microsoft.com/office/powerpoint/2015/main" val="1"/>
+                </p:ext>
+              </p:extLst>
+            </p:nvPr>
+          </p:nvSpPr>
+          <p:spPr>
+            <a:xfrm rot="5400000">
+              <a:off x="-501760" y="5103257"/>
+              <a:ext cx="2017580" cy="1014060"/>
+            </a:xfrm>
+            <a:prstGeom prst="triangle">
+              <a:avLst>
+                <a:gd name="adj" fmla="val 50000"/>
+              </a:avLst>
+            </a:prstGeom>
+            <a:solidFill>
+              <a:schemeClr val="accent1">
+                <a:alpha val="30000"/>
+              </a:schemeClr>
+            </a:solidFill>
+            <a:ln>
+              <a:noFill/>
+            </a:ln>
+          </p:spPr>
+          <p:style>
+            <a:lnRef idx="2">
+              <a:schemeClr val="accent1">
+                <a:shade val="50000"/>
+              </a:schemeClr>
+            </a:lnRef>
+            <a:fillRef idx="1">
+              <a:schemeClr val="accent1"/>
+            </a:fillRef>
+            <a:effectRef idx="0">
+              <a:schemeClr val="accent1"/>
+            </a:effectRef>
+            <a:fontRef idx="minor">
+              <a:schemeClr val="lt1"/>
+            </a:fontRef>
+          </p:style>
+          <p:txBody>
+            <a:bodyPr rtlCol="0" anchor="ctr"/>
+            <a:lstStyle/>
+            <a:p>
+              <a:pPr algn="ctr"/>
+              <a:endParaRPr lang="en-US"/>
+            </a:p>
+          </p:txBody>
+        </p:sp>
+        <p:sp>
+          <p:nvSpPr>
+            <p:cNvPr id="20" name="Rectangle 19">
+              <a:extLst>
+                <a:ext uri="{FF2B5EF4-FFF2-40B4-BE49-F238E27FC236}">
+                  <a16:creationId xmlns:a16="http://schemas.microsoft.com/office/drawing/2014/main" id="{1E547BA6-BAE0-43BB-A7CA-60F69CE252F0}"/>
+                </a:ext>
+                <a:ext uri="{C183D7F6-B498-43B3-948B-1728B52AA6E4}">
+                  <adec:decorative xmlns:adec="http://schemas.microsoft.com/office/drawing/2017/decorative" val="1"/>
+                </a:ext>
+              </a:extLst>
+            </p:cNvPr>
+            <p:cNvSpPr/>
+            <p:nvPr>
+              <p:extLst>
+                <p:ext uri="{386F3935-93C4-4BCD-93E2-E3B085C9AB24}">
+                  <p16:designElem xmlns:p16="http://schemas.microsoft.com/office/powerpoint/2015/main" val="1"/>
+                </p:ext>
+              </p:extLst>
+            </p:nvPr>
+          </p:nvSpPr>
+          <p:spPr>
+            <a:xfrm rot="2700000">
+              <a:off x="427916" y="5728708"/>
+              <a:ext cx="485578" cy="485578"/>
+            </a:xfrm>
+            <a:prstGeom prst="rect">
+              <a:avLst/>
+            </a:prstGeom>
+            <a:solidFill>
+              <a:schemeClr val="accent1">
+                <a:alpha val="30000"/>
+              </a:schemeClr>
+            </a:solidFill>
+            <a:ln>
+              <a:noFill/>
+            </a:ln>
+          </p:spPr>
+          <p:style>
+            <a:lnRef idx="2">
+              <a:schemeClr val="accent1">
+                <a:shade val="50000"/>
+              </a:schemeClr>
+            </a:lnRef>
+            <a:fillRef idx="1">
+              <a:schemeClr val="accent1"/>
+            </a:fillRef>
+            <a:effectRef idx="0">
+              <a:schemeClr val="accent1"/>
+            </a:effectRef>
+            <a:fontRef idx="minor">
+              <a:schemeClr val="lt1"/>
+            </a:fontRef>
+          </p:style>
+          <p:txBody>
+            <a:bodyPr rtlCol="0" anchor="ctr"/>
+            <a:lstStyle/>
+            <a:p>
+              <a:pPr algn="ctr"/>
+              <a:endParaRPr lang="en-US"/>
+            </a:p>
+          </p:txBody>
+        </p:sp>
+      </p:grpSp>
       <p:pic>
         <p:nvPicPr>
-          <p:cNvPr id="7" name="Grafik 6">
-            <a:extLst>
-              <a:ext uri="{FF2B5EF4-FFF2-40B4-BE49-F238E27FC236}">
-                <a16:creationId xmlns:a16="http://schemas.microsoft.com/office/drawing/2014/main" id="{9AB39635-5BE6-77AB-9AA0-6A3EDE6B4DAE}"/>
+          <p:cNvPr id="5" name="Grafik 4">
+            <a:extLst>
+              <a:ext uri="{FF2B5EF4-FFF2-40B4-BE49-F238E27FC236}">
+                <a16:creationId xmlns:a16="http://schemas.microsoft.com/office/drawing/2014/main" id="{44E5FD0C-3440-6DA8-D358-6E763DF644FD}"/>
               </a:ext>
             </a:extLst>
           </p:cNvPr>
@@ -4381,8 +7050,8 @@
         </p:blipFill>
         <p:spPr>
           <a:xfrm>
-            <a:off x="8925234" y="4226711"/>
-            <a:ext cx="2419688" cy="762106"/>
+            <a:off x="6850634" y="4607578"/>
+            <a:ext cx="4687460" cy="739604"/>
           </a:xfrm>
           <a:prstGeom prst="rect">
             <a:avLst/>
@@ -4475,16 +7144,105 @@
             </a:r>
           </a:p>
           <a:p>
-            <a:endParaRPr lang="de-DE" dirty="0"/>
+            <a:pPr lvl="1"/>
+            <a:r>
+              <a:rPr lang="de-DE" dirty="0"/>
+              <a:t>Integral wird in Teilintegrale unterteilt,</a:t>
+            </a:r>
+            <a:br>
+              <a:rPr lang="de-DE" dirty="0"/>
+            </a:br>
+            <a:r>
+              <a:rPr lang="de-DE" dirty="0"/>
+              <a:t>einzeln gerechnet und die Ergebnisse addiert</a:t>
+            </a:r>
           </a:p>
           <a:p>
             <a:r>
               <a:rPr lang="de-DE" dirty="0"/>
               <a:t>Monte-Carlo-Integration</a:t>
             </a:r>
-          </a:p>
-          <a:p>
             <a:endParaRPr lang="de-AT" dirty="0"/>
+          </a:p>
+          <a:p>
+            <a:pPr lvl="1"/>
+            <a:r>
+              <a:rPr lang="de-DE" dirty="0"/>
+              <a:t>Dient zur Berechnung von </a:t>
+            </a:r>
+            <a:br>
+              <a:rPr lang="de-DE" dirty="0"/>
+            </a:br>
+            <a:r>
+              <a:rPr lang="de-DE" dirty="0"/>
+              <a:t>hochdimensionale Integrale</a:t>
+            </a:r>
+          </a:p>
+        </p:txBody>
+      </p:sp>
+      <p:pic>
+        <p:nvPicPr>
+          <p:cNvPr id="5" name="Grafik 4">
+            <a:extLst>
+              <a:ext uri="{FF2B5EF4-FFF2-40B4-BE49-F238E27FC236}">
+                <a16:creationId xmlns:a16="http://schemas.microsoft.com/office/drawing/2014/main" id="{08909BA1-06C6-F8A4-66FC-BBB80BB3677A}"/>
+              </a:ext>
+            </a:extLst>
+          </p:cNvPr>
+          <p:cNvPicPr>
+            <a:picLocks noChangeAspect="1"/>
+          </p:cNvPicPr>
+          <p:nvPr/>
+        </p:nvPicPr>
+        <p:blipFill>
+          <a:blip r:embed="rId2"/>
+          <a:stretch>
+            <a:fillRect/>
+          </a:stretch>
+        </p:blipFill>
+        <p:spPr>
+          <a:xfrm>
+            <a:off x="7034329" y="4811785"/>
+            <a:ext cx="2295845" cy="714475"/>
+          </a:xfrm>
+          <a:prstGeom prst="rect">
+            <a:avLst/>
+          </a:prstGeom>
+        </p:spPr>
+      </p:pic>
+      <p:sp>
+        <p:nvSpPr>
+          <p:cNvPr id="6" name="Textfeld 5">
+            <a:extLst>
+              <a:ext uri="{FF2B5EF4-FFF2-40B4-BE49-F238E27FC236}">
+                <a16:creationId xmlns:a16="http://schemas.microsoft.com/office/drawing/2014/main" id="{86A50C2E-28C0-DEED-D010-FDE937A54B38}"/>
+              </a:ext>
+            </a:extLst>
+          </p:cNvPr>
+          <p:cNvSpPr txBox="1"/>
+          <p:nvPr/>
+        </p:nvSpPr>
+        <p:spPr>
+          <a:xfrm>
+            <a:off x="7022237" y="5526260"/>
+            <a:ext cx="2299316" cy="276999"/>
+          </a:xfrm>
+          <a:prstGeom prst="rect">
+            <a:avLst/>
+          </a:prstGeom>
+          <a:noFill/>
+        </p:spPr>
+        <p:txBody>
+          <a:bodyPr wrap="square" rtlCol="0">
+            <a:spAutoFit/>
+          </a:bodyPr>
+          <a:lstStyle/>
+          <a:p>
+            <a:r>
+              <a:rPr lang="de-DE" sz="1200" dirty="0"/>
+              <a:t>Monte-Carlo-Integration Formel</a:t>
+            </a:r>
+            <a:endParaRPr lang="de-AT" sz="1200" dirty="0"/>
           </a:p>
         </p:txBody>
       </p:sp>
@@ -4504,6 +7262,14 @@
 <file path=ppt/slides/slide8.xml><?xml version="1.0" encoding="utf-8"?>
 <p:sld xmlns:a="http://schemas.openxmlformats.org/drawingml/2006/main" xmlns:r="http://schemas.openxmlformats.org/officeDocument/2006/relationships" xmlns:p="http://schemas.openxmlformats.org/presentationml/2006/main">
   <p:cSld>
+    <p:bg>
+      <p:bgPr>
+        <a:solidFill>
+          <a:schemeClr val="bg1"/>
+        </a:solidFill>
+        <a:effectLst/>
+      </p:bgPr>
+    </p:bg>
     <p:spTree>
       <p:nvGrpSpPr>
         <p:cNvPr id="1" name=""/>
@@ -4520,6 +7286,69 @@
       </p:grpSpPr>
       <p:sp>
         <p:nvSpPr>
+          <p:cNvPr id="8" name="Rectangle 7">
+            <a:extLst>
+              <a:ext uri="{FF2B5EF4-FFF2-40B4-BE49-F238E27FC236}">
+                <a16:creationId xmlns:a16="http://schemas.microsoft.com/office/drawing/2014/main" id="{2B566528-1B12-4246-9431-5C2D7D081168}"/>
+              </a:ext>
+              <a:ext uri="{C183D7F6-B498-43B3-948B-1728B52AA6E4}">
+                <adec:decorative xmlns:adec="http://schemas.microsoft.com/office/drawing/2017/decorative" val="1"/>
+              </a:ext>
+            </a:extLst>
+          </p:cNvPr>
+          <p:cNvSpPr>
+            <a:spLocks noGrp="1" noRot="1" noChangeAspect="1" noMove="1" noResize="1" noEditPoints="1" noAdjustHandles="1" noChangeArrowheads="1" noChangeShapeType="1" noTextEdit="1"/>
+          </p:cNvSpPr>
+          <p:nvPr>
+            <p:extLst>
+              <p:ext uri="{386F3935-93C4-4BCD-93E2-E3B085C9AB24}">
+                <p16:designElem xmlns:p16="http://schemas.microsoft.com/office/powerpoint/2015/main" val="1"/>
+              </p:ext>
+            </p:extLst>
+          </p:nvPr>
+        </p:nvSpPr>
+        <p:spPr>
+          <a:xfrm>
+            <a:off x="0" y="0"/>
+            <a:ext cx="12192000" cy="6858000"/>
+          </a:xfrm>
+          <a:prstGeom prst="rect">
+            <a:avLst/>
+          </a:prstGeom>
+          <a:solidFill>
+            <a:schemeClr val="bg1"/>
+          </a:solidFill>
+          <a:ln>
+            <a:noFill/>
+          </a:ln>
+        </p:spPr>
+        <p:style>
+          <a:lnRef idx="2">
+            <a:schemeClr val="accent1">
+              <a:shade val="50000"/>
+            </a:schemeClr>
+          </a:lnRef>
+          <a:fillRef idx="1">
+            <a:schemeClr val="accent1"/>
+          </a:fillRef>
+          <a:effectRef idx="0">
+            <a:schemeClr val="accent1"/>
+          </a:effectRef>
+          <a:fontRef idx="minor">
+            <a:schemeClr val="lt1"/>
+          </a:fontRef>
+        </p:style>
+        <p:txBody>
+          <a:bodyPr rtlCol="0" anchor="ctr"/>
+          <a:lstStyle/>
+          <a:p>
+            <a:pPr algn="ctr"/>
+            <a:endParaRPr lang="en-US" dirty="0"/>
+          </a:p>
+        </p:txBody>
+      </p:sp>
+      <p:sp>
+        <p:nvSpPr>
           <p:cNvPr id="2" name="Titel 1">
             <a:extLst>
               <a:ext uri="{FF2B5EF4-FFF2-40B4-BE49-F238E27FC236}">
@@ -4534,16 +7363,23 @@
             <p:ph type="title"/>
           </p:nvPr>
         </p:nvSpPr>
-        <p:spPr/>
-        <p:txBody>
-          <a:bodyPr/>
-          <a:lstStyle/>
-          <a:p>
-            <a:r>
-              <a:rPr lang="de-DE" dirty="0"/>
+        <p:spPr>
+          <a:xfrm>
+            <a:off x="643467" y="321734"/>
+            <a:ext cx="10905066" cy="1135737"/>
+          </a:xfrm>
+        </p:spPr>
+        <p:txBody>
+          <a:bodyPr>
+            <a:normAutofit/>
+          </a:bodyPr>
+          <a:lstStyle/>
+          <a:p>
+            <a:r>
+              <a:rPr lang="de-DE" sz="3600"/>
               <a:t>Quellen</a:t>
             </a:r>
-            <a:endParaRPr lang="de-AT" dirty="0"/>
+            <a:endParaRPr lang="de-AT" sz="3600"/>
           </a:p>
         </p:txBody>
       </p:sp>
@@ -4563,33 +7399,308 @@
             <p:ph idx="1"/>
           </p:nvPr>
         </p:nvSpPr>
-        <p:spPr/>
-        <p:txBody>
-          <a:bodyPr/>
-          <a:lstStyle/>
-          <a:p>
-            <a:r>
-              <a:rPr lang="de-AT" dirty="0">
+        <p:spPr>
+          <a:xfrm>
+            <a:off x="643467" y="1782981"/>
+            <a:ext cx="10905066" cy="4393982"/>
+          </a:xfrm>
+        </p:spPr>
+        <p:txBody>
+          <a:bodyPr>
+            <a:normAutofit/>
+          </a:bodyPr>
+          <a:lstStyle/>
+          <a:p>
+            <a:r>
+              <a:rPr lang="de-AT" sz="2000">
                 <a:hlinkClick r:id="rId2"/>
               </a:rPr>
               <a:t>https://de.wikipedia.org/wiki/Numerische_Integration</a:t>
             </a:r>
-            <a:endParaRPr lang="de-AT" dirty="0"/>
-          </a:p>
-          <a:p>
-            <a:r>
-              <a:rPr lang="de-AT" dirty="0">
+            <a:endParaRPr lang="de-AT" sz="2000"/>
+          </a:p>
+          <a:p>
+            <a:r>
+              <a:rPr lang="de-AT" sz="2000">
                 <a:hlinkClick r:id="rId3"/>
               </a:rPr>
               <a:t>https://de.serlo.org/mathe/1595/integral</a:t>
             </a:r>
-            <a:endParaRPr lang="de-AT" dirty="0"/>
-          </a:p>
-          <a:p>
-            <a:endParaRPr lang="de-AT" dirty="0"/>
-          </a:p>
-          <a:p>
-            <a:endParaRPr lang="de-AT" dirty="0"/>
+            <a:endParaRPr lang="de-AT" sz="2000"/>
+          </a:p>
+          <a:p>
+            <a:endParaRPr lang="de-AT" sz="2000"/>
+          </a:p>
+          <a:p>
+            <a:endParaRPr lang="de-AT" sz="2000"/>
+          </a:p>
+        </p:txBody>
+      </p:sp>
+      <p:sp>
+        <p:nvSpPr>
+          <p:cNvPr id="10" name="Rectangle 9">
+            <a:extLst>
+              <a:ext uri="{FF2B5EF4-FFF2-40B4-BE49-F238E27FC236}">
+                <a16:creationId xmlns:a16="http://schemas.microsoft.com/office/drawing/2014/main" id="{2E80C965-DB6D-4F81-9E9E-B027384D0BD6}"/>
+              </a:ext>
+              <a:ext uri="{C183D7F6-B498-43B3-948B-1728B52AA6E4}">
+                <adec:decorative xmlns:adec="http://schemas.microsoft.com/office/drawing/2017/decorative" val="1"/>
+              </a:ext>
+            </a:extLst>
+          </p:cNvPr>
+          <p:cNvSpPr>
+            <a:spLocks noGrp="1" noRot="1" noChangeAspect="1" noMove="1" noResize="1" noEditPoints="1" noAdjustHandles="1" noChangeArrowheads="1" noChangeShapeType="1" noTextEdit="1"/>
+          </p:cNvSpPr>
+          <p:nvPr>
+            <p:extLst>
+              <p:ext uri="{386F3935-93C4-4BCD-93E2-E3B085C9AB24}">
+                <p16:designElem xmlns:p16="http://schemas.microsoft.com/office/powerpoint/2015/main" val="1"/>
+              </p:ext>
+            </p:extLst>
+          </p:nvPr>
+        </p:nvSpPr>
+        <p:spPr>
+          <a:xfrm rot="2700000">
+            <a:off x="11052629" y="2120024"/>
+            <a:ext cx="645368" cy="645368"/>
+          </a:xfrm>
+          <a:prstGeom prst="rect">
+            <a:avLst/>
+          </a:prstGeom>
+          <a:solidFill>
+            <a:schemeClr val="accent4">
+              <a:alpha val="30000"/>
+            </a:schemeClr>
+          </a:solidFill>
+          <a:ln>
+            <a:noFill/>
+          </a:ln>
+        </p:spPr>
+        <p:style>
+          <a:lnRef idx="2">
+            <a:schemeClr val="accent1">
+              <a:shade val="50000"/>
+            </a:schemeClr>
+          </a:lnRef>
+          <a:fillRef idx="1">
+            <a:schemeClr val="accent1"/>
+          </a:fillRef>
+          <a:effectRef idx="0">
+            <a:schemeClr val="accent1"/>
+          </a:effectRef>
+          <a:fontRef idx="minor">
+            <a:schemeClr val="lt1"/>
+          </a:fontRef>
+        </p:style>
+        <p:txBody>
+          <a:bodyPr rtlCol="0" anchor="ctr"/>
+          <a:lstStyle/>
+          <a:p>
+            <a:pPr algn="ctr"/>
+            <a:endParaRPr lang="en-US"/>
+          </a:p>
+        </p:txBody>
+      </p:sp>
+      <p:sp>
+        <p:nvSpPr>
+          <p:cNvPr id="12" name="Isosceles Triangle 11">
+            <a:extLst>
+              <a:ext uri="{FF2B5EF4-FFF2-40B4-BE49-F238E27FC236}">
+                <a16:creationId xmlns:a16="http://schemas.microsoft.com/office/drawing/2014/main" id="{A580F890-B085-4E95-96AA-55AEBEC5CE6E}"/>
+              </a:ext>
+              <a:ext uri="{C183D7F6-B498-43B3-948B-1728B52AA6E4}">
+                <adec:decorative xmlns:adec="http://schemas.microsoft.com/office/drawing/2017/decorative" val="1"/>
+              </a:ext>
+            </a:extLst>
+          </p:cNvPr>
+          <p:cNvSpPr>
+            <a:spLocks noGrp="1" noRot="1" noChangeAspect="1" noMove="1" noResize="1" noEditPoints="1" noAdjustHandles="1" noChangeArrowheads="1" noChangeShapeType="1" noTextEdit="1"/>
+          </p:cNvSpPr>
+          <p:nvPr>
+            <p:extLst>
+              <p:ext uri="{386F3935-93C4-4BCD-93E2-E3B085C9AB24}">
+                <p16:designElem xmlns:p16="http://schemas.microsoft.com/office/powerpoint/2015/main" val="1"/>
+              </p:ext>
+            </p:extLst>
+          </p:nvPr>
+        </p:nvSpPr>
+        <p:spPr>
+          <a:xfrm rot="16200000">
+            <a:off x="10289068" y="1343027"/>
+            <a:ext cx="2532832" cy="1273032"/>
+          </a:xfrm>
+          <a:prstGeom prst="triangle">
+            <a:avLst>
+              <a:gd name="adj" fmla="val 50000"/>
+            </a:avLst>
+          </a:prstGeom>
+          <a:solidFill>
+            <a:schemeClr val="accent4">
+              <a:alpha val="30000"/>
+            </a:schemeClr>
+          </a:solidFill>
+          <a:ln>
+            <a:noFill/>
+          </a:ln>
+        </p:spPr>
+        <p:style>
+          <a:lnRef idx="2">
+            <a:schemeClr val="accent1">
+              <a:shade val="50000"/>
+            </a:schemeClr>
+          </a:lnRef>
+          <a:fillRef idx="1">
+            <a:schemeClr val="accent1"/>
+          </a:fillRef>
+          <a:effectRef idx="0">
+            <a:schemeClr val="accent1"/>
+          </a:effectRef>
+          <a:fontRef idx="minor">
+            <a:schemeClr val="lt1"/>
+          </a:fontRef>
+        </p:style>
+        <p:txBody>
+          <a:bodyPr rtlCol="0" anchor="ctr"/>
+          <a:lstStyle/>
+          <a:p>
+            <a:pPr algn="ctr"/>
+            <a:endParaRPr lang="en-US"/>
+          </a:p>
+        </p:txBody>
+      </p:sp>
+      <p:sp>
+        <p:nvSpPr>
+          <p:cNvPr id="14" name="Isosceles Triangle 13">
+            <a:extLst>
+              <a:ext uri="{FF2B5EF4-FFF2-40B4-BE49-F238E27FC236}">
+                <a16:creationId xmlns:a16="http://schemas.microsoft.com/office/drawing/2014/main" id="{D3F51FEB-38FB-4F6C-9F7B-2F2AFAB65463}"/>
+              </a:ext>
+              <a:ext uri="{C183D7F6-B498-43B3-948B-1728B52AA6E4}">
+                <adec:decorative xmlns:adec="http://schemas.microsoft.com/office/drawing/2017/decorative" val="1"/>
+              </a:ext>
+            </a:extLst>
+          </p:cNvPr>
+          <p:cNvSpPr>
+            <a:spLocks noGrp="1" noRot="1" noChangeAspect="1" noMove="1" noResize="1" noEditPoints="1" noAdjustHandles="1" noChangeArrowheads="1" noChangeShapeType="1" noTextEdit="1"/>
+          </p:cNvSpPr>
+          <p:nvPr>
+            <p:extLst>
+              <p:ext uri="{386F3935-93C4-4BCD-93E2-E3B085C9AB24}">
+                <p16:designElem xmlns:p16="http://schemas.microsoft.com/office/powerpoint/2015/main" val="1"/>
+              </p:ext>
+            </p:extLst>
+          </p:nvPr>
+        </p:nvSpPr>
+        <p:spPr>
+          <a:xfrm rot="5400000">
+            <a:off x="-501760" y="5103257"/>
+            <a:ext cx="2017580" cy="1014060"/>
+          </a:xfrm>
+          <a:prstGeom prst="triangle">
+            <a:avLst>
+              <a:gd name="adj" fmla="val 50000"/>
+            </a:avLst>
+          </a:prstGeom>
+          <a:solidFill>
+            <a:schemeClr val="accent1">
+              <a:alpha val="30000"/>
+            </a:schemeClr>
+          </a:solidFill>
+          <a:ln>
+            <a:noFill/>
+          </a:ln>
+        </p:spPr>
+        <p:style>
+          <a:lnRef idx="2">
+            <a:schemeClr val="accent1">
+              <a:shade val="50000"/>
+            </a:schemeClr>
+          </a:lnRef>
+          <a:fillRef idx="1">
+            <a:schemeClr val="accent1"/>
+          </a:fillRef>
+          <a:effectRef idx="0">
+            <a:schemeClr val="accent1"/>
+          </a:effectRef>
+          <a:fontRef idx="minor">
+            <a:schemeClr val="lt1"/>
+          </a:fontRef>
+        </p:style>
+        <p:txBody>
+          <a:bodyPr wrap="square" rtlCol="0" anchor="ctr">
+            <a:noAutofit/>
+          </a:bodyPr>
+          <a:lstStyle/>
+          <a:p>
+            <a:pPr algn="ctr"/>
+            <a:endParaRPr lang="en-US"/>
+          </a:p>
+        </p:txBody>
+      </p:sp>
+      <p:sp>
+        <p:nvSpPr>
+          <p:cNvPr id="16" name="Rectangle 15">
+            <a:extLst>
+              <a:ext uri="{FF2B5EF4-FFF2-40B4-BE49-F238E27FC236}">
+                <a16:creationId xmlns:a16="http://schemas.microsoft.com/office/drawing/2014/main" id="{1E547BA6-BAE0-43BB-A7CA-60F69CE252F0}"/>
+              </a:ext>
+              <a:ext uri="{C183D7F6-B498-43B3-948B-1728B52AA6E4}">
+                <adec:decorative xmlns:adec="http://schemas.microsoft.com/office/drawing/2017/decorative" val="1"/>
+              </a:ext>
+            </a:extLst>
+          </p:cNvPr>
+          <p:cNvSpPr>
+            <a:spLocks noGrp="1" noRot="1" noChangeAspect="1" noMove="1" noResize="1" noEditPoints="1" noAdjustHandles="1" noChangeArrowheads="1" noChangeShapeType="1" noTextEdit="1"/>
+          </p:cNvSpPr>
+          <p:nvPr>
+            <p:extLst>
+              <p:ext uri="{386F3935-93C4-4BCD-93E2-E3B085C9AB24}">
+                <p16:designElem xmlns:p16="http://schemas.microsoft.com/office/powerpoint/2015/main" val="1"/>
+              </p:ext>
+            </p:extLst>
+          </p:nvPr>
+        </p:nvSpPr>
+        <p:spPr>
+          <a:xfrm rot="2700000">
+            <a:off x="427916" y="5728708"/>
+            <a:ext cx="485578" cy="485578"/>
+          </a:xfrm>
+          <a:prstGeom prst="rect">
+            <a:avLst/>
+          </a:prstGeom>
+          <a:solidFill>
+            <a:schemeClr val="accent1">
+              <a:alpha val="30000"/>
+            </a:schemeClr>
+          </a:solidFill>
+          <a:ln>
+            <a:noFill/>
+          </a:ln>
+        </p:spPr>
+        <p:style>
+          <a:lnRef idx="2">
+            <a:schemeClr val="accent1">
+              <a:shade val="50000"/>
+            </a:schemeClr>
+          </a:lnRef>
+          <a:fillRef idx="1">
+            <a:schemeClr val="accent1"/>
+          </a:fillRef>
+          <a:effectRef idx="0">
+            <a:schemeClr val="accent1"/>
+          </a:effectRef>
+          <a:fontRef idx="minor">
+            <a:schemeClr val="lt1"/>
+          </a:fontRef>
+        </p:style>
+        <p:txBody>
+          <a:bodyPr wrap="square" rtlCol="0" anchor="ctr">
+            <a:noAutofit/>
+          </a:bodyPr>
+          <a:lstStyle/>
+          <a:p>
+            <a:pPr algn="ctr"/>
+            <a:endParaRPr lang="en-US"/>
           </a:p>
         </p:txBody>
       </p:sp>
